--- a/000_Lecture_Project/week01/01_Lecture/03_Neuron.pptx
+++ b/000_Lecture_Project/week01/01_Lecture/03_Neuron.pptx
@@ -25,6 +25,7 @@
     <p:sldId id="269" r:id="rId18"/>
     <p:sldId id="270" r:id="rId19"/>
     <p:sldId id="271" r:id="rId20"/>
+    <p:sldId id="272" r:id="rId21"/>
   </p:sldIdLst>
   <p:sldSz cx="9144000" cy="6858000"/>
   <p:notesSz cx="6858000" cy="9144000"/>
@@ -308,7 +309,7 @@
             <a:pPr algn="r">
               <a:buNone/>
             </a:pPr>
-            <a:fld id="{942EAB75-17B8-4BDA-B7C7-03EF2B6A01AB}" type="slidenum">
+            <a:fld id="{8DF07592-5FDD-4863-BFD0-1F6732318E9B}" type="slidenum">
               <a:rPr b="0" lang="en-US" sz="1400" spc="-1" strike="noStrike">
                 <a:latin typeface="Times New Roman"/>
               </a:rPr>
@@ -345,7 +346,7 @@
       </p:grpSpPr>
       <p:sp>
         <p:nvSpPr>
-          <p:cNvPr id="167" name="PlaceHolder 1"/>
+          <p:cNvPr id="173" name="PlaceHolder 1"/>
           <p:cNvSpPr>
             <a:spLocks noGrp="1"/>
           </p:cNvSpPr>
@@ -356,19 +357,19 @@
         <p:spPr>
           <a:xfrm>
             <a:off x="1143000" y="685800"/>
-            <a:ext cx="4549680" cy="3406680"/>
-          </a:xfrm>
-          <a:prstGeom prst="rect">
-            <a:avLst/>
-          </a:prstGeom>
-          <a:ln w="0">
-            <a:noFill/>
-          </a:ln>
-        </p:spPr>
-      </p:sp>
-      <p:sp>
-        <p:nvSpPr>
-          <p:cNvPr id="168" name="PlaceHolder 2"/>
+            <a:ext cx="4549320" cy="3406320"/>
+          </a:xfrm>
+          <a:prstGeom prst="rect">
+            <a:avLst/>
+          </a:prstGeom>
+          <a:ln w="0">
+            <a:noFill/>
+          </a:ln>
+        </p:spPr>
+      </p:sp>
+      <p:sp>
+        <p:nvSpPr>
+          <p:cNvPr id="174" name="PlaceHolder 2"/>
           <p:cNvSpPr>
             <a:spLocks noGrp="1"/>
           </p:cNvSpPr>
@@ -379,7 +380,7 @@
         <p:spPr>
           <a:xfrm>
             <a:off x="685800" y="4343400"/>
-            <a:ext cx="5463720" cy="4092120"/>
+            <a:ext cx="5463360" cy="4091760"/>
           </a:xfrm>
           <a:prstGeom prst="rect">
             <a:avLst/>
@@ -402,18 +403,18 @@
       </p:sp>
       <p:sp>
         <p:nvSpPr>
-          <p:cNvPr id="169" name="PlaceHolder 3"/>
-          <p:cNvSpPr>
-            <a:spLocks noGrp="1"/>
-          </p:cNvSpPr>
-          <p:nvPr>
-            <p:ph type="sldNum" idx="24"/>
+          <p:cNvPr id="175" name="PlaceHolder 3"/>
+          <p:cNvSpPr>
+            <a:spLocks noGrp="1"/>
+          </p:cNvSpPr>
+          <p:nvPr>
+            <p:ph type="sldNum" idx="25"/>
           </p:nvPr>
         </p:nvSpPr>
         <p:spPr>
           <a:xfrm>
             <a:off x="3884760" y="8685360"/>
-            <a:ext cx="2949120" cy="434520"/>
+            <a:ext cx="2948760" cy="434160"/>
           </a:xfrm>
           <a:prstGeom prst="rect">
             <a:avLst/>
@@ -449,7 +450,7 @@
               </a:lnSpc>
               <a:buNone/>
             </a:pPr>
-            <a:fld id="{75E0040C-9B98-47B1-974C-29182E89A748}" type="slidenum">
+            <a:fld id="{7B8249D5-A6DA-4EC5-A3BE-B8E21DA896D6}" type="slidenum">
               <a:rPr b="0" lang="en-US" sz="1200" spc="-1" strike="noStrike">
                 <a:solidFill>
                   <a:srgbClr val="000000"/>
@@ -521,7 +522,7 @@
         <p:txBody>
           <a:bodyPr/>
           <a:p>
-            <a:fld id="{46827649-2580-46FA-890C-0C2A88DF8296}" type="slidenum">
+            <a:fld id="{70FE2AB3-04D8-4777-B8DF-8AF9E173AB9A}" type="slidenum">
               <a:t>&lt;#&gt;</a:t>
             </a:fld>
           </a:p>
@@ -709,7 +710,7 @@
         <p:txBody>
           <a:bodyPr/>
           <a:p>
-            <a:fld id="{67C652D3-6299-4028-8C61-874381918CCB}" type="slidenum">
+            <a:fld id="{3DDD5603-1E6B-4A1F-AE3D-B6EF16413C09}" type="slidenum">
               <a:t>&lt;#&gt;</a:t>
             </a:fld>
           </a:p>
@@ -965,7 +966,7 @@
         <p:txBody>
           <a:bodyPr/>
           <a:p>
-            <a:fld id="{1A19833F-8289-4EB0-8D28-1AAEE16F1847}" type="slidenum">
+            <a:fld id="{754B8ABF-258D-42D5-BE57-0CFB094EDA15}" type="slidenum">
               <a:t>&lt;#&gt;</a:t>
             </a:fld>
           </a:p>
@@ -1289,7 +1290,7 @@
         <p:txBody>
           <a:bodyPr/>
           <a:p>
-            <a:fld id="{0C960390-1C90-4953-85C8-D4B09FB7C136}" type="slidenum">
+            <a:fld id="{A3400153-7ACB-4C93-B8A6-956E3A0E9587}" type="slidenum">
               <a:t>&lt;#&gt;</a:t>
             </a:fld>
           </a:p>
@@ -1372,7 +1373,7 @@
         <p:txBody>
           <a:bodyPr/>
           <a:p>
-            <a:fld id="{63125D40-1A70-4B14-BAC3-957670311C2D}" type="slidenum">
+            <a:fld id="{2D2E51C2-74B0-484B-A7D1-80E5F15C32D2}" type="slidenum">
               <a:t>&lt;#&gt;</a:t>
             </a:fld>
           </a:p>
@@ -1529,7 +1530,7 @@
         <p:txBody>
           <a:bodyPr/>
           <a:p>
-            <a:fld id="{DCC400A3-296C-4134-9CD8-9BCD670D0939}" type="slidenum">
+            <a:fld id="{3263D7A6-0E0D-4AD2-86FC-F95D385E27CC}" type="slidenum">
               <a:t>&lt;#&gt;</a:t>
             </a:fld>
           </a:p>
@@ -1683,7 +1684,7 @@
         <p:txBody>
           <a:bodyPr/>
           <a:p>
-            <a:fld id="{68B5146C-B12C-440A-864D-AFFE07AF1232}" type="slidenum">
+            <a:fld id="{8C0F3A3D-2AE9-4445-A2C0-79600E0A93D2}" type="slidenum">
               <a:t>&lt;#&gt;</a:t>
             </a:fld>
           </a:p>
@@ -1871,7 +1872,7 @@
         <p:txBody>
           <a:bodyPr/>
           <a:p>
-            <a:fld id="{92CFE347-F35B-4436-819A-428D0AE95DBD}" type="slidenum">
+            <a:fld id="{F18078C6-B148-4E9E-AE6E-E645C82DE1F9}" type="slidenum">
               <a:t>&lt;#&gt;</a:t>
             </a:fld>
           </a:p>
@@ -1991,7 +1992,7 @@
         <p:txBody>
           <a:bodyPr/>
           <a:p>
-            <a:fld id="{706355EF-56E6-428B-AFB7-A9246E410C49}" type="slidenum">
+            <a:fld id="{DB24086D-DFEC-4AA9-8482-575EC137E053}" type="slidenum">
               <a:t>&lt;#&gt;</a:t>
             </a:fld>
           </a:p>
@@ -2111,7 +2112,7 @@
         <p:txBody>
           <a:bodyPr/>
           <a:p>
-            <a:fld id="{A9EA516F-953F-4B2B-8B73-65C4C860C96F}" type="slidenum">
+            <a:fld id="{24554C2C-0780-4B7B-82D8-21B8C453C9C6}" type="slidenum">
               <a:t>&lt;#&gt;</a:t>
             </a:fld>
           </a:p>
@@ -2333,7 +2334,7 @@
         <p:txBody>
           <a:bodyPr/>
           <a:p>
-            <a:fld id="{B776707E-5A12-4439-B631-41A773CE1628}" type="slidenum">
+            <a:fld id="{10B78372-7472-40B9-8BF1-381D7B4AE704}" type="slidenum">
               <a:t>&lt;#&gt;</a:t>
             </a:fld>
           </a:p>
@@ -2490,7 +2491,7 @@
         <p:txBody>
           <a:bodyPr/>
           <a:p>
-            <a:fld id="{EAD3F081-A8B0-4336-A288-5CA62E8C9F93}" type="slidenum">
+            <a:fld id="{2EC7A886-6E98-481A-BF77-D9792CC2438F}" type="slidenum">
               <a:t>&lt;#&gt;</a:t>
             </a:fld>
           </a:p>
@@ -2712,7 +2713,7 @@
         <p:txBody>
           <a:bodyPr/>
           <a:p>
-            <a:fld id="{89229EB9-B9C5-493F-B260-469E2E9044FC}" type="slidenum">
+            <a:fld id="{BD646E4F-DE03-4B02-8989-A0AC00E908AE}" type="slidenum">
               <a:t>&lt;#&gt;</a:t>
             </a:fld>
           </a:p>
@@ -2934,7 +2935,7 @@
         <p:txBody>
           <a:bodyPr/>
           <a:p>
-            <a:fld id="{8FF7C065-966B-4DF5-AF03-0B97DE3CB008}" type="slidenum">
+            <a:fld id="{4D906646-0ED5-4CBD-A465-8357403BEE58}" type="slidenum">
               <a:t>&lt;#&gt;</a:t>
             </a:fld>
           </a:p>
@@ -3122,7 +3123,7 @@
         <p:txBody>
           <a:bodyPr/>
           <a:p>
-            <a:fld id="{0B70C9EE-4FBE-4632-9CDF-8BF4102222C9}" type="slidenum">
+            <a:fld id="{B0EC539A-9836-4426-9A07-E7972F6F0A6C}" type="slidenum">
               <a:t>&lt;#&gt;</a:t>
             </a:fld>
           </a:p>
@@ -3378,7 +3379,7 @@
         <p:txBody>
           <a:bodyPr/>
           <a:p>
-            <a:fld id="{BC3763D4-7E8D-462C-BD03-7CCD970DB1D1}" type="slidenum">
+            <a:fld id="{9A22E1FD-7572-47FD-BDF8-AFB56FF13A99}" type="slidenum">
               <a:t>&lt;#&gt;</a:t>
             </a:fld>
           </a:p>
@@ -3702,7 +3703,7 @@
         <p:txBody>
           <a:bodyPr/>
           <a:p>
-            <a:fld id="{CF0C4A51-48CA-4E88-A943-5390BC424431}" type="slidenum">
+            <a:fld id="{FC9668D6-E4CB-4B08-B4F2-B3A2D5FE10C1}" type="slidenum">
               <a:t>&lt;#&gt;</a:t>
             </a:fld>
           </a:p>
@@ -3856,7 +3857,7 @@
         <p:txBody>
           <a:bodyPr/>
           <a:p>
-            <a:fld id="{4C805E98-6486-47EE-B62F-338EDAAB5C15}" type="slidenum">
+            <a:fld id="{82874A00-07A0-4FC4-93BF-1593EE504066}" type="slidenum">
               <a:t>&lt;#&gt;</a:t>
             </a:fld>
           </a:p>
@@ -4044,7 +4045,7 @@
         <p:txBody>
           <a:bodyPr/>
           <a:p>
-            <a:fld id="{7C72637A-9692-4D7D-8F95-2F52090716B3}" type="slidenum">
+            <a:fld id="{8E76A0B6-7F12-4FFB-918A-538E19EEC8F1}" type="slidenum">
               <a:t>&lt;#&gt;</a:t>
             </a:fld>
           </a:p>
@@ -4164,7 +4165,7 @@
         <p:txBody>
           <a:bodyPr/>
           <a:p>
-            <a:fld id="{CDAED36A-3B7D-41C3-8EDC-279746BB91A3}" type="slidenum">
+            <a:fld id="{D910C23C-74B0-407A-854C-ADFA42B245B9}" type="slidenum">
               <a:t>&lt;#&gt;</a:t>
             </a:fld>
           </a:p>
@@ -4284,7 +4285,7 @@
         <p:txBody>
           <a:bodyPr/>
           <a:p>
-            <a:fld id="{AE825F1E-592D-4280-8736-2806307EB192}" type="slidenum">
+            <a:fld id="{28970604-B432-40FA-8795-8E82D3500CBC}" type="slidenum">
               <a:t>&lt;#&gt;</a:t>
             </a:fld>
           </a:p>
@@ -4506,7 +4507,7 @@
         <p:txBody>
           <a:bodyPr/>
           <a:p>
-            <a:fld id="{F2985B84-CF58-4B90-98F6-99239F445CED}" type="slidenum">
+            <a:fld id="{B8AD5007-9386-4420-819D-D80EBC7726F8}" type="slidenum">
               <a:t>&lt;#&gt;</a:t>
             </a:fld>
           </a:p>
@@ -4728,7 +4729,7 @@
         <p:txBody>
           <a:bodyPr/>
           <a:p>
-            <a:fld id="{AD4CE050-11BF-4CA7-B6CB-562A2E922555}" type="slidenum">
+            <a:fld id="{7ECC8E79-F841-4272-9AF6-95CEB76FD46F}" type="slidenum">
               <a:t>&lt;#&gt;</a:t>
             </a:fld>
           </a:p>
@@ -4950,7 +4951,7 @@
         <p:txBody>
           <a:bodyPr/>
           <a:p>
-            <a:fld id="{098EDA23-6E45-4329-A66F-007C0E40F774}" type="slidenum">
+            <a:fld id="{471C93C4-F10C-4297-8177-66EFB21F4E4F}" type="slidenum">
               <a:t>&lt;#&gt;</a:t>
             </a:fld>
           </a:p>
@@ -5019,7 +5020,7 @@
         <p:spPr>
           <a:xfrm>
             <a:off x="3124080" y="6356520"/>
-            <a:ext cx="2872800" cy="342360"/>
+            <a:ext cx="2872440" cy="342000"/>
           </a:xfrm>
           <a:prstGeom prst="rect">
             <a:avLst/>
@@ -5084,7 +5085,7 @@
         <p:spPr>
           <a:xfrm>
             <a:off x="6553080" y="6356520"/>
-            <a:ext cx="2111040" cy="342360"/>
+            <a:ext cx="2110680" cy="342000"/>
           </a:xfrm>
           <a:prstGeom prst="rect">
             <a:avLst/>
@@ -5120,7 +5121,7 @@
               </a:lnSpc>
               <a:buNone/>
             </a:pPr>
-            <a:fld id="{68C52FD6-ED8D-432E-98AE-578AC5DB15C4}" type="slidenum">
+            <a:fld id="{9FAE391E-A50A-46DF-A182-2301A0B68C2C}" type="slidenum">
               <a:rPr b="0" lang="en-US" sz="1200" spc="-1" strike="noStrike">
                 <a:solidFill>
                   <a:srgbClr val="8b8b8b"/>
@@ -5149,7 +5150,7 @@
         <p:spPr>
           <a:xfrm>
             <a:off x="457200" y="6356520"/>
-            <a:ext cx="2111040" cy="342360"/>
+            <a:ext cx="2110680" cy="342000"/>
           </a:xfrm>
           <a:prstGeom prst="rect">
             <a:avLst/>
@@ -5466,7 +5467,7 @@
         <p:spPr>
           <a:xfrm>
             <a:off x="3124080" y="6356520"/>
-            <a:ext cx="2872800" cy="342360"/>
+            <a:ext cx="2872440" cy="342000"/>
           </a:xfrm>
           <a:prstGeom prst="rect">
             <a:avLst/>
@@ -5531,7 +5532,7 @@
         <p:spPr>
           <a:xfrm>
             <a:off x="6553080" y="6356520"/>
-            <a:ext cx="2111040" cy="342360"/>
+            <a:ext cx="2110680" cy="342000"/>
           </a:xfrm>
           <a:prstGeom prst="rect">
             <a:avLst/>
@@ -5567,7 +5568,7 @@
               </a:lnSpc>
               <a:buNone/>
             </a:pPr>
-            <a:fld id="{165AC56B-A1CD-4376-AD06-F4077A4619F1}" type="slidenum">
+            <a:fld id="{9B6F925F-FDA0-417E-83F9-9FC61688B4DA}" type="slidenum">
               <a:rPr b="0" lang="en-US" sz="1200" spc="-1" strike="noStrike">
                 <a:solidFill>
                   <a:srgbClr val="8b8b8b"/>
@@ -5596,7 +5597,7 @@
         <p:spPr>
           <a:xfrm>
             <a:off x="457200" y="6356520"/>
-            <a:ext cx="2111040" cy="342360"/>
+            <a:ext cx="2110680" cy="342000"/>
           </a:xfrm>
           <a:prstGeom prst="rect">
             <a:avLst/>
@@ -5906,7 +5907,7 @@
         <p:spPr>
           <a:xfrm>
             <a:off x="0" y="2130480"/>
-            <a:ext cx="9141120" cy="1447200"/>
+            <a:ext cx="9140760" cy="1446840"/>
           </a:xfrm>
           <a:prstGeom prst="rect">
             <a:avLst/>
@@ -5958,7 +5959,7 @@
         <p:spPr>
           <a:xfrm>
             <a:off x="1371600" y="4563360"/>
-            <a:ext cx="6378120" cy="672120"/>
+            <a:ext cx="6377760" cy="671760"/>
           </a:xfrm>
           <a:prstGeom prst="rect">
             <a:avLst/>
@@ -6014,7 +6015,7 @@
         <p:spPr>
           <a:xfrm>
             <a:off x="4212000" y="3645000"/>
-            <a:ext cx="919080" cy="890280"/>
+            <a:ext cx="918720" cy="889920"/>
           </a:xfrm>
           <a:prstGeom prst="rect">
             <a:avLst/>
@@ -6038,7 +6039,7 @@
         <p:txBody>
           <a:bodyPr/>
           <a:p>
-            <a:fld id="{3661CE8A-15DC-4879-A002-F382B84C3E9A}" type="slidenum">
+            <a:fld id="{5D8520DF-304D-4B7E-8EC7-C04FD320C68D}" type="slidenum">
               <a:t>1</a:t>
             </a:fld>
           </a:p>
@@ -6058,9 +6059,9 @@
         <p:txBody>
           <a:bodyPr/>
           <a:p>
-            <a:fld id="{A37C3794-5009-4470-BB09-2EB1B078381C}" type="datetime1">
+            <a:fld id="{0AC1A21B-051B-4E7B-AA14-814557A4A227}" type="datetime1">
               <a:rPr lang="en-US"/>
-              <a:t>11/26/2023</a:t>
+              <a:t>01/25/2024</a:t>
             </a:fld>
           </a:p>
         </p:txBody>
@@ -6097,7 +6098,7 @@
       </p:grpSpPr>
       <p:sp>
         <p:nvSpPr>
-          <p:cNvPr id="134" name="PlaceHolder 1"/>
+          <p:cNvPr id="135" name="PlaceHolder 1"/>
           <p:cNvSpPr>
             <a:spLocks noGrp="1"/>
           </p:cNvSpPr>
@@ -6108,7 +6109,7 @@
         <p:spPr>
           <a:xfrm>
             <a:off x="0" y="0"/>
-            <a:ext cx="9140400" cy="741960"/>
+            <a:ext cx="9140040" cy="741600"/>
           </a:xfrm>
           <a:prstGeom prst="rect">
             <a:avLst/>
@@ -6157,7 +6158,7 @@
       </p:sp>
       <p:sp>
         <p:nvSpPr>
-          <p:cNvPr id="135" name="PlaceHolder 2"/>
+          <p:cNvPr id="136" name="PlaceHolder 2"/>
           <p:cNvSpPr>
             <a:spLocks noGrp="1"/>
           </p:cNvSpPr>
@@ -6168,7 +6169,7 @@
         <p:spPr>
           <a:xfrm>
             <a:off x="232200" y="1302120"/>
-            <a:ext cx="8682120" cy="525600"/>
+            <a:ext cx="8681760" cy="525240"/>
           </a:xfrm>
           <a:prstGeom prst="rect">
             <a:avLst/>
@@ -6206,7 +6207,7 @@
                 <a:latin typeface="Calibri"/>
                 <a:ea typeface="DejaVu Sans"/>
               </a:rPr>
-              <a:t>DL: Neuron (9:00-10:10/16:48)</a:t>
+              <a:t>DL: Neuron (7:20-8:30/16:48)</a:t>
             </a:r>
             <a:endParaRPr b="0" lang="en-US" sz="1300" spc="-1" strike="noStrike">
               <a:latin typeface="Arial"/>
@@ -6234,7 +6235,7 @@
                 <a:latin typeface="Calibri"/>
                 <a:ea typeface="DejaVu Sans"/>
               </a:rPr>
-              <a:t>Linear regression formula:</a:t>
+              <a:t>Euler is better fit for this problem.</a:t>
             </a:r>
             <a:endParaRPr b="0" lang="en-US" sz="1300" spc="-1" strike="noStrike">
               <a:latin typeface="Arial"/>
@@ -6244,14 +6245,14 @@
       </p:sp>
       <p:sp>
         <p:nvSpPr>
-          <p:cNvPr id="136" name="標題 9"/>
+          <p:cNvPr id="137" name="標題 8"/>
           <p:cNvSpPr/>
           <p:nvPr/>
         </p:nvSpPr>
         <p:spPr>
           <a:xfrm>
             <a:off x="2880" y="759600"/>
-            <a:ext cx="9137520" cy="337320"/>
+            <a:ext cx="9137160" cy="336960"/>
           </a:xfrm>
           <a:prstGeom prst="rect">
             <a:avLst/>
@@ -6306,7 +6307,7 @@
       </p:sp>
       <p:sp>
         <p:nvSpPr>
-          <p:cNvPr id="137" name="PlaceHolder 3"/>
+          <p:cNvPr id="138" name="PlaceHolder 3"/>
           <p:cNvSpPr>
             <a:spLocks noGrp="1"/>
           </p:cNvSpPr>
@@ -6317,7 +6318,7 @@
         <p:spPr>
           <a:xfrm>
             <a:off x="6553080" y="6356520"/>
-            <a:ext cx="2111040" cy="342360"/>
+            <a:ext cx="2110680" cy="342000"/>
           </a:xfrm>
           <a:prstGeom prst="rect">
             <a:avLst/>
@@ -6353,7 +6354,7 @@
               </a:lnSpc>
               <a:buNone/>
             </a:pPr>
-            <a:fld id="{0DF816D7-A1FE-4365-8ED0-85DD0ABAA17F}" type="slidenum">
+            <a:fld id="{2BFAD452-0E12-4742-83C9-8208FD883302}" type="slidenum">
               <a:rPr b="0" lang="en-US" sz="1200" spc="-1" strike="noStrike">
                 <a:solidFill>
                   <a:srgbClr val="8b8b8b"/>
@@ -6371,7 +6372,7 @@
       </p:sp>
       <p:pic>
         <p:nvPicPr>
-          <p:cNvPr id="138" name="" descr=""/>
+          <p:cNvPr id="139" name="" descr=""/>
           <p:cNvPicPr/>
           <p:nvPr/>
         </p:nvPicPr>
@@ -6381,8 +6382,8 @@
         </p:blipFill>
         <p:spPr>
           <a:xfrm>
-            <a:off x="200520" y="2057400"/>
-            <a:ext cx="3456000" cy="757080"/>
+            <a:off x="429120" y="2171880"/>
+            <a:ext cx="8027640" cy="3998880"/>
           </a:xfrm>
           <a:prstGeom prst="rect">
             <a:avLst/>
@@ -6394,31 +6395,6 @@
           </a:ln>
         </p:spPr>
       </p:pic>
-      <p:pic>
-        <p:nvPicPr>
-          <p:cNvPr id="139" name="" descr=""/>
-          <p:cNvPicPr/>
-          <p:nvPr/>
-        </p:nvPicPr>
-        <p:blipFill>
-          <a:blip r:embed="rId2"/>
-          <a:stretch/>
-        </p:blipFill>
-        <p:spPr>
-          <a:xfrm>
-            <a:off x="4096800" y="2019600"/>
-            <a:ext cx="4588920" cy="4151520"/>
-          </a:xfrm>
-          <a:prstGeom prst="rect">
-            <a:avLst/>
-          </a:prstGeom>
-          <a:ln w="0">
-            <a:solidFill>
-              <a:srgbClr val="bf0041"/>
-            </a:solidFill>
-          </a:ln>
-        </p:spPr>
-      </p:pic>
       <p:sp>
         <p:nvSpPr>
           <p:cNvPr id="5" name="PlaceHolder 4"/>
@@ -6433,9 +6409,9 @@
         <p:txBody>
           <a:bodyPr/>
           <a:p>
-            <a:fld id="{D1EBB86F-520E-450F-938C-A477C2D9C1F2}" type="datetime1">
+            <a:fld id="{EDE50A4A-9543-4398-8DA8-68386C855C9C}" type="datetime1">
               <a:rPr lang="en-US"/>
-              <a:t>11/26/2023</a:t>
+              <a:t>01/25/2024</a:t>
             </a:fld>
           </a:p>
         </p:txBody>
@@ -6483,7 +6459,7 @@
         <p:spPr>
           <a:xfrm>
             <a:off x="0" y="0"/>
-            <a:ext cx="9140400" cy="741960"/>
+            <a:ext cx="9140040" cy="741600"/>
           </a:xfrm>
           <a:prstGeom prst="rect">
             <a:avLst/>
@@ -6543,7 +6519,7 @@
         <p:spPr>
           <a:xfrm>
             <a:off x="232200" y="1302120"/>
-            <a:ext cx="8453520" cy="525600"/>
+            <a:ext cx="8681760" cy="525240"/>
           </a:xfrm>
           <a:prstGeom prst="rect">
             <a:avLst/>
@@ -6581,7 +6557,7 @@
                 <a:latin typeface="Calibri"/>
                 <a:ea typeface="DejaVu Sans"/>
               </a:rPr>
-              <a:t>DL: Neuron (10:20-10:30/16:48)</a:t>
+              <a:t>DL: Neuron (9:00-10:10/16:48)</a:t>
             </a:r>
             <a:endParaRPr b="0" lang="en-US" sz="1300" spc="-1" strike="noStrike">
               <a:latin typeface="Arial"/>
@@ -6609,7 +6585,7 @@
                 <a:latin typeface="Calibri"/>
                 <a:ea typeface="DejaVu Sans"/>
               </a:rPr>
-              <a:t>Age 38, 0.48 will buy.</a:t>
+              <a:t>Linear regression formula:</a:t>
             </a:r>
             <a:endParaRPr b="0" lang="en-US" sz="1300" spc="-1" strike="noStrike">
               <a:latin typeface="Arial"/>
@@ -6619,14 +6595,14 @@
       </p:sp>
       <p:sp>
         <p:nvSpPr>
-          <p:cNvPr id="142" name="標題 10"/>
+          <p:cNvPr id="142" name="標題 9"/>
           <p:cNvSpPr/>
           <p:nvPr/>
         </p:nvSpPr>
         <p:spPr>
           <a:xfrm>
             <a:off x="2880" y="759600"/>
-            <a:ext cx="9137520" cy="337320"/>
+            <a:ext cx="9137160" cy="336960"/>
           </a:xfrm>
           <a:prstGeom prst="rect">
             <a:avLst/>
@@ -6692,7 +6668,7 @@
         <p:spPr>
           <a:xfrm>
             <a:off x="6553080" y="6356520"/>
-            <a:ext cx="2111040" cy="342360"/>
+            <a:ext cx="2110680" cy="342000"/>
           </a:xfrm>
           <a:prstGeom prst="rect">
             <a:avLst/>
@@ -6728,7 +6704,7 @@
               </a:lnSpc>
               <a:buNone/>
             </a:pPr>
-            <a:fld id="{92D07966-CBB1-4CAD-A7EF-8CC419EB5D63}" type="slidenum">
+            <a:fld id="{CD33681C-6BB9-4763-9449-6487D2A80012}" type="slidenum">
               <a:rPr b="0" lang="en-US" sz="1200" spc="-1" strike="noStrike">
                 <a:solidFill>
                   <a:srgbClr val="8b8b8b"/>
@@ -6756,8 +6732,8 @@
         </p:blipFill>
         <p:spPr>
           <a:xfrm>
-            <a:off x="457200" y="2176560"/>
-            <a:ext cx="8228520" cy="3537360"/>
+            <a:off x="200520" y="2057400"/>
+            <a:ext cx="3455640" cy="756720"/>
           </a:xfrm>
           <a:prstGeom prst="rect">
             <a:avLst/>
@@ -6769,6 +6745,31 @@
           </a:ln>
         </p:spPr>
       </p:pic>
+      <p:pic>
+        <p:nvPicPr>
+          <p:cNvPr id="145" name="" descr=""/>
+          <p:cNvPicPr/>
+          <p:nvPr/>
+        </p:nvPicPr>
+        <p:blipFill>
+          <a:blip r:embed="rId2"/>
+          <a:stretch/>
+        </p:blipFill>
+        <p:spPr>
+          <a:xfrm>
+            <a:off x="4096800" y="2019600"/>
+            <a:ext cx="4588560" cy="4151160"/>
+          </a:xfrm>
+          <a:prstGeom prst="rect">
+            <a:avLst/>
+          </a:prstGeom>
+          <a:ln w="0">
+            <a:solidFill>
+              <a:srgbClr val="bf0041"/>
+            </a:solidFill>
+          </a:ln>
+        </p:spPr>
+      </p:pic>
       <p:sp>
         <p:nvSpPr>
           <p:cNvPr id="5" name="PlaceHolder 4"/>
@@ -6783,9 +6784,9 @@
         <p:txBody>
           <a:bodyPr/>
           <a:p>
-            <a:fld id="{08037766-C1D6-408F-9F10-98370C821432}" type="datetime1">
+            <a:fld id="{F6845410-92C5-4AAA-9168-B2FEA7489C30}" type="datetime1">
               <a:rPr lang="en-US"/>
-              <a:t>11/26/2023</a:t>
+              <a:t>01/25/2024</a:t>
             </a:fld>
           </a:p>
         </p:txBody>
@@ -6822,7 +6823,7 @@
       </p:grpSpPr>
       <p:sp>
         <p:nvSpPr>
-          <p:cNvPr id="145" name="PlaceHolder 1"/>
+          <p:cNvPr id="146" name="PlaceHolder 1"/>
           <p:cNvSpPr>
             <a:spLocks noGrp="1"/>
           </p:cNvSpPr>
@@ -6833,7 +6834,7 @@
         <p:spPr>
           <a:xfrm>
             <a:off x="0" y="0"/>
-            <a:ext cx="9140400" cy="741960"/>
+            <a:ext cx="9140040" cy="741600"/>
           </a:xfrm>
           <a:prstGeom prst="rect">
             <a:avLst/>
@@ -6882,7 +6883,7 @@
       </p:sp>
       <p:sp>
         <p:nvSpPr>
-          <p:cNvPr id="146" name="PlaceHolder 2"/>
+          <p:cNvPr id="147" name="PlaceHolder 2"/>
           <p:cNvSpPr>
             <a:spLocks noGrp="1"/>
           </p:cNvSpPr>
@@ -6893,7 +6894,7 @@
         <p:spPr>
           <a:xfrm>
             <a:off x="232200" y="1302120"/>
-            <a:ext cx="8682120" cy="1211400"/>
+            <a:ext cx="8453160" cy="525240"/>
           </a:xfrm>
           <a:prstGeom prst="rect">
             <a:avLst/>
@@ -6931,7 +6932,7 @@
                 <a:latin typeface="Calibri"/>
                 <a:ea typeface="DejaVu Sans"/>
               </a:rPr>
-              <a:t>DL: Neuron (11:00-11:30/16:48)</a:t>
+              <a:t>DL: Neuron (10:20-10:30/16:48)</a:t>
             </a:r>
             <a:endParaRPr b="0" lang="en-US" sz="1300" spc="-1" strike="noStrike">
               <a:latin typeface="Arial"/>
@@ -6959,80 +6960,24 @@
                 <a:latin typeface="Calibri"/>
                 <a:ea typeface="DejaVu Sans"/>
               </a:rPr>
-              <a:t>Age 43, 0.57will buy insurance.</a:t>
+              <a:t>Age 38, 0.48 will buy.</a:t>
             </a:r>
             <a:endParaRPr b="0" lang="en-US" sz="1300" spc="-1" strike="noStrike">
               <a:latin typeface="Arial"/>
             </a:endParaRPr>
           </a:p>
-          <a:p>
-            <a:pPr marL="465120" indent="-465120">
-              <a:lnSpc>
-                <a:spcPct val="100000"/>
-              </a:lnSpc>
-              <a:spcBef>
-                <a:spcPts val="360"/>
-              </a:spcBef>
-              <a:buClr>
-                <a:srgbClr val="0070c0"/>
-              </a:buClr>
-              <a:buFont typeface="Wingdings" charset="2"/>
-              <a:buChar char=""/>
-            </a:pPr>
-            <a:r>
-              <a:rPr b="0" lang="en-US" sz="1300" spc="-1" strike="noStrike">
-                <a:solidFill>
-                  <a:srgbClr val="000000"/>
-                </a:solidFill>
-                <a:latin typeface="Calibri"/>
-                <a:ea typeface="DejaVu Sans"/>
-              </a:rPr>
-              <a:t>This is almost like at neuron. Neuron have linear regression and activation function.</a:t>
-            </a:r>
-            <a:endParaRPr b="0" lang="en-US" sz="1300" spc="-1" strike="noStrike">
-              <a:latin typeface="Arial"/>
-            </a:endParaRPr>
-          </a:p>
-          <a:p>
-            <a:pPr marL="465120" indent="-465120">
-              <a:lnSpc>
-                <a:spcPct val="100000"/>
-              </a:lnSpc>
-              <a:spcBef>
-                <a:spcPts val="360"/>
-              </a:spcBef>
-              <a:buClr>
-                <a:srgbClr val="0070c0"/>
-              </a:buClr>
-              <a:buFont typeface="Wingdings" charset="2"/>
-              <a:buChar char=""/>
-            </a:pPr>
-            <a:r>
-              <a:rPr b="0" lang="en-US" sz="1300" spc="-1" strike="noStrike">
-                <a:solidFill>
-                  <a:srgbClr val="000000"/>
-                </a:solidFill>
-                <a:latin typeface="Calibri"/>
-                <a:ea typeface="DejaVu Sans"/>
-              </a:rPr>
-              <a:t>We can think of logistic regression like a neural neuron.</a:t>
-            </a:r>
-            <a:endParaRPr b="0" lang="en-US" sz="1300" spc="-1" strike="noStrike">
-              <a:latin typeface="Arial"/>
-            </a:endParaRPr>
-          </a:p>
-        </p:txBody>
-      </p:sp>
-      <p:sp>
-        <p:nvSpPr>
-          <p:cNvPr id="147" name="標題 11"/>
+        </p:txBody>
+      </p:sp>
+      <p:sp>
+        <p:nvSpPr>
+          <p:cNvPr id="148" name="標題 10"/>
           <p:cNvSpPr/>
           <p:nvPr/>
         </p:nvSpPr>
         <p:spPr>
           <a:xfrm>
             <a:off x="2880" y="759600"/>
-            <a:ext cx="9137520" cy="337320"/>
+            <a:ext cx="9137160" cy="336960"/>
           </a:xfrm>
           <a:prstGeom prst="rect">
             <a:avLst/>
@@ -7087,7 +7032,7 @@
       </p:sp>
       <p:sp>
         <p:nvSpPr>
-          <p:cNvPr id="148" name="PlaceHolder 3"/>
+          <p:cNvPr id="149" name="PlaceHolder 3"/>
           <p:cNvSpPr>
             <a:spLocks noGrp="1"/>
           </p:cNvSpPr>
@@ -7098,7 +7043,7 @@
         <p:spPr>
           <a:xfrm>
             <a:off x="6553080" y="6356520"/>
-            <a:ext cx="2111040" cy="342360"/>
+            <a:ext cx="2110680" cy="342000"/>
           </a:xfrm>
           <a:prstGeom prst="rect">
             <a:avLst/>
@@ -7134,7 +7079,7 @@
               </a:lnSpc>
               <a:buNone/>
             </a:pPr>
-            <a:fld id="{FEF71D42-2446-4A70-9D4C-72DFAD82D91F}" type="slidenum">
+            <a:fld id="{16F5BB77-F990-4A66-9EDF-05843C44226E}" type="slidenum">
               <a:rPr b="0" lang="en-US" sz="1200" spc="-1" strike="noStrike">
                 <a:solidFill>
                   <a:srgbClr val="8b8b8b"/>
@@ -7152,7 +7097,7 @@
       </p:sp>
       <p:pic>
         <p:nvPicPr>
-          <p:cNvPr id="149" name="" descr=""/>
+          <p:cNvPr id="150" name="" descr=""/>
           <p:cNvPicPr/>
           <p:nvPr/>
         </p:nvPicPr>
@@ -7162,8 +7107,8 @@
         </p:blipFill>
         <p:spPr>
           <a:xfrm>
-            <a:off x="457200" y="2895480"/>
-            <a:ext cx="8151840" cy="3504240"/>
+            <a:off x="457200" y="2176560"/>
+            <a:ext cx="8228160" cy="3537000"/>
           </a:xfrm>
           <a:prstGeom prst="rect">
             <a:avLst/>
@@ -7189,9 +7134,9 @@
         <p:txBody>
           <a:bodyPr/>
           <a:p>
-            <a:fld id="{288ED6FE-01DC-4D90-BADB-54DEC124B599}" type="datetime1">
+            <a:fld id="{18E7846F-638A-4E49-AA16-F20DE89088B3}" type="datetime1">
               <a:rPr lang="en-US"/>
-              <a:t>11/26/2023</a:t>
+              <a:t>01/25/2024</a:t>
             </a:fld>
           </a:p>
         </p:txBody>
@@ -7228,7 +7173,7 @@
       </p:grpSpPr>
       <p:sp>
         <p:nvSpPr>
-          <p:cNvPr id="150" name="PlaceHolder 1"/>
+          <p:cNvPr id="151" name="PlaceHolder 1"/>
           <p:cNvSpPr>
             <a:spLocks noGrp="1"/>
           </p:cNvSpPr>
@@ -7239,7 +7184,7 @@
         <p:spPr>
           <a:xfrm>
             <a:off x="0" y="0"/>
-            <a:ext cx="9140400" cy="741960"/>
+            <a:ext cx="9140040" cy="741600"/>
           </a:xfrm>
           <a:prstGeom prst="rect">
             <a:avLst/>
@@ -7288,7 +7233,7 @@
       </p:sp>
       <p:sp>
         <p:nvSpPr>
-          <p:cNvPr id="151" name="PlaceHolder 2"/>
+          <p:cNvPr id="152" name="PlaceHolder 2"/>
           <p:cNvSpPr>
             <a:spLocks noGrp="1"/>
           </p:cNvSpPr>
@@ -7299,7 +7244,7 @@
         <p:spPr>
           <a:xfrm>
             <a:off x="232200" y="1302120"/>
-            <a:ext cx="8682120" cy="982800"/>
+            <a:ext cx="8681760" cy="1211040"/>
           </a:xfrm>
           <a:prstGeom prst="rect">
             <a:avLst/>
@@ -7337,7 +7282,7 @@
                 <a:latin typeface="Calibri"/>
                 <a:ea typeface="DejaVu Sans"/>
               </a:rPr>
-              <a:t>DL: Neuron (11:31-12:30/16:48)</a:t>
+              <a:t>DL: Neuron (11:00-11:30/16:48)</a:t>
             </a:r>
             <a:endParaRPr b="0" lang="en-US" sz="1300" spc="-1" strike="noStrike">
               <a:latin typeface="Arial"/>
@@ -7365,7 +7310,7 @@
                 <a:latin typeface="Calibri"/>
                 <a:ea typeface="DejaVu Sans"/>
               </a:rPr>
-              <a:t>In machine learning, we called age is a feature.</a:t>
+              <a:t>Age 43, 0.57will buy insurance.</a:t>
             </a:r>
             <a:endParaRPr b="0" lang="en-US" sz="1300" spc="-1" strike="noStrike">
               <a:latin typeface="Arial"/>
@@ -7393,7 +7338,7 @@
                 <a:latin typeface="Calibri"/>
                 <a:ea typeface="DejaVu Sans"/>
               </a:rPr>
-              <a:t>In this case, we have only one feature (one input parameter or one independent variable).</a:t>
+              <a:t>This is almost like at neuron. Neuron have linear regression and activation function.</a:t>
             </a:r>
             <a:endParaRPr b="0" lang="en-US" sz="1300" spc="-1" strike="noStrike">
               <a:latin typeface="Arial"/>
@@ -7421,7 +7366,7 @@
                 <a:latin typeface="Calibri"/>
                 <a:ea typeface="DejaVu Sans"/>
               </a:rPr>
-              <a:t>The dependent variable is the person who will buy the insurance or not.</a:t>
+              <a:t>We can think of logistic regression like a neural neuron.</a:t>
             </a:r>
             <a:endParaRPr b="0" lang="en-US" sz="1300" spc="-1" strike="noStrike">
               <a:latin typeface="Arial"/>
@@ -7431,14 +7376,14 @@
       </p:sp>
       <p:sp>
         <p:nvSpPr>
-          <p:cNvPr id="152" name="標題 12"/>
+          <p:cNvPr id="153" name="標題 11"/>
           <p:cNvSpPr/>
           <p:nvPr/>
         </p:nvSpPr>
         <p:spPr>
           <a:xfrm>
             <a:off x="2880" y="759600"/>
-            <a:ext cx="9137520" cy="337320"/>
+            <a:ext cx="9137160" cy="336960"/>
           </a:xfrm>
           <a:prstGeom prst="rect">
             <a:avLst/>
@@ -7493,7 +7438,7 @@
       </p:sp>
       <p:sp>
         <p:nvSpPr>
-          <p:cNvPr id="153" name="PlaceHolder 3"/>
+          <p:cNvPr id="154" name="PlaceHolder 3"/>
           <p:cNvSpPr>
             <a:spLocks noGrp="1"/>
           </p:cNvSpPr>
@@ -7504,7 +7449,7 @@
         <p:spPr>
           <a:xfrm>
             <a:off x="6553080" y="6356520"/>
-            <a:ext cx="2111040" cy="342360"/>
+            <a:ext cx="2110680" cy="342000"/>
           </a:xfrm>
           <a:prstGeom prst="rect">
             <a:avLst/>
@@ -7540,7 +7485,7 @@
               </a:lnSpc>
               <a:buNone/>
             </a:pPr>
-            <a:fld id="{9AF97DD4-A51D-478C-B767-B106B48B3FCE}" type="slidenum">
+            <a:fld id="{B8114C54-9286-4D7D-82E5-A559F66C3F76}" type="slidenum">
               <a:rPr b="0" lang="en-US" sz="1200" spc="-1" strike="noStrike">
                 <a:solidFill>
                   <a:srgbClr val="8b8b8b"/>
@@ -7558,7 +7503,7 @@
       </p:sp>
       <p:pic>
         <p:nvPicPr>
-          <p:cNvPr id="154" name="" descr=""/>
+          <p:cNvPr id="155" name="" descr=""/>
           <p:cNvPicPr/>
           <p:nvPr/>
         </p:nvPicPr>
@@ -7568,8 +7513,8 @@
         </p:blipFill>
         <p:spPr>
           <a:xfrm>
-            <a:off x="457560" y="2895840"/>
-            <a:ext cx="8151840" cy="3504240"/>
+            <a:off x="457200" y="2895480"/>
+            <a:ext cx="8151480" cy="3503880"/>
           </a:xfrm>
           <a:prstGeom prst="rect">
             <a:avLst/>
@@ -7595,9 +7540,9 @@
         <p:txBody>
           <a:bodyPr/>
           <a:p>
-            <a:fld id="{B4178CF8-CE0D-453C-BD08-6BCE4E46D89F}" type="datetime1">
+            <a:fld id="{9381E1CB-E5CB-4683-BF86-74A2F3F705B1}" type="datetime1">
               <a:rPr lang="en-US"/>
-              <a:t>11/26/2023</a:t>
+              <a:t>01/25/2024</a:t>
             </a:fld>
           </a:p>
         </p:txBody>
@@ -7634,7 +7579,7 @@
       </p:grpSpPr>
       <p:sp>
         <p:nvSpPr>
-          <p:cNvPr id="155" name="PlaceHolder 1"/>
+          <p:cNvPr id="156" name="PlaceHolder 1"/>
           <p:cNvSpPr>
             <a:spLocks noGrp="1"/>
           </p:cNvSpPr>
@@ -7645,7 +7590,7 @@
         <p:spPr>
           <a:xfrm>
             <a:off x="0" y="0"/>
-            <a:ext cx="9140400" cy="741960"/>
+            <a:ext cx="9140040" cy="741600"/>
           </a:xfrm>
           <a:prstGeom prst="rect">
             <a:avLst/>
@@ -7694,7 +7639,7 @@
       </p:sp>
       <p:sp>
         <p:nvSpPr>
-          <p:cNvPr id="156" name="PlaceHolder 2"/>
+          <p:cNvPr id="157" name="PlaceHolder 2"/>
           <p:cNvSpPr>
             <a:spLocks noGrp="1"/>
           </p:cNvSpPr>
@@ -7705,7 +7650,7 @@
         <p:spPr>
           <a:xfrm>
             <a:off x="232200" y="1302120"/>
-            <a:ext cx="8682120" cy="1211760"/>
+            <a:ext cx="8681760" cy="982440"/>
           </a:xfrm>
           <a:prstGeom prst="rect">
             <a:avLst/>
@@ -7743,7 +7688,7 @@
                 <a:latin typeface="Calibri"/>
                 <a:ea typeface="DejaVu Sans"/>
               </a:rPr>
-              <a:t>DL: Neuron (12:31-14:10/16:48)</a:t>
+              <a:t>DL: Neuron (11:31-12:30/16:48)</a:t>
             </a:r>
             <a:endParaRPr b="0" lang="en-US" sz="1300" spc="-1" strike="noStrike">
               <a:latin typeface="Arial"/>
@@ -7771,7 +7716,7 @@
                 <a:latin typeface="Calibri"/>
                 <a:ea typeface="DejaVu Sans"/>
               </a:rPr>
-              <a:t>Now, you can have multiple factors: </a:t>
+              <a:t>In machine learning, we called age is a feature.</a:t>
             </a:r>
             <a:endParaRPr b="0" lang="en-US" sz="1300" spc="-1" strike="noStrike">
               <a:latin typeface="Arial"/>
@@ -7799,7 +7744,7 @@
                 <a:latin typeface="Calibri"/>
                 <a:ea typeface="DejaVu Sans"/>
               </a:rPr>
-              <a:t>in addition to age, you can have income and education.</a:t>
+              <a:t>In this case, we have only one feature (one input parameter or one independent variable).</a:t>
             </a:r>
             <a:endParaRPr b="0" lang="en-US" sz="1300" spc="-1" strike="noStrike">
               <a:latin typeface="Arial"/>
@@ -7827,52 +7772,24 @@
                 <a:latin typeface="Calibri"/>
                 <a:ea typeface="DejaVu Sans"/>
               </a:rPr>
-              <a:t>In this case, we have three features: age, income, and education.</a:t>
+              <a:t>The dependent variable is the person who will buy the insurance or not.</a:t>
             </a:r>
             <a:endParaRPr b="0" lang="en-US" sz="1300" spc="-1" strike="noStrike">
               <a:latin typeface="Arial"/>
             </a:endParaRPr>
           </a:p>
-          <a:p>
-            <a:pPr marL="465120" indent="-465120">
-              <a:lnSpc>
-                <a:spcPct val="100000"/>
-              </a:lnSpc>
-              <a:spcBef>
-                <a:spcPts val="360"/>
-              </a:spcBef>
-              <a:buClr>
-                <a:srgbClr val="0070c0"/>
-              </a:buClr>
-              <a:buFont typeface="Wingdings" charset="2"/>
-              <a:buChar char=""/>
-            </a:pPr>
-            <a:r>
-              <a:rPr b="0" lang="en-US" sz="1300" spc="-1" strike="noStrike">
-                <a:solidFill>
-                  <a:srgbClr val="000000"/>
-                </a:solidFill>
-                <a:latin typeface="Calibri"/>
-                <a:ea typeface="DejaVu Sans"/>
-              </a:rPr>
-              <a:t>We may have more features than this example.</a:t>
-            </a:r>
-            <a:endParaRPr b="0" lang="en-US" sz="1300" spc="-1" strike="noStrike">
-              <a:latin typeface="Arial"/>
-            </a:endParaRPr>
-          </a:p>
-        </p:txBody>
-      </p:sp>
-      <p:sp>
-        <p:nvSpPr>
-          <p:cNvPr id="157" name="標題 13"/>
+        </p:txBody>
+      </p:sp>
+      <p:sp>
+        <p:nvSpPr>
+          <p:cNvPr id="158" name="標題 12"/>
           <p:cNvSpPr/>
           <p:nvPr/>
         </p:nvSpPr>
         <p:spPr>
           <a:xfrm>
             <a:off x="2880" y="759600"/>
-            <a:ext cx="9137520" cy="337320"/>
+            <a:ext cx="9137160" cy="336960"/>
           </a:xfrm>
           <a:prstGeom prst="rect">
             <a:avLst/>
@@ -7927,7 +7844,7 @@
       </p:sp>
       <p:sp>
         <p:nvSpPr>
-          <p:cNvPr id="158" name="PlaceHolder 3"/>
+          <p:cNvPr id="159" name="PlaceHolder 3"/>
           <p:cNvSpPr>
             <a:spLocks noGrp="1"/>
           </p:cNvSpPr>
@@ -7938,7 +7855,7 @@
         <p:spPr>
           <a:xfrm>
             <a:off x="6553080" y="6356520"/>
-            <a:ext cx="2111040" cy="342360"/>
+            <a:ext cx="2110680" cy="342000"/>
           </a:xfrm>
           <a:prstGeom prst="rect">
             <a:avLst/>
@@ -7974,7 +7891,7 @@
               </a:lnSpc>
               <a:buNone/>
             </a:pPr>
-            <a:fld id="{0389E45A-6111-4EEC-8FFC-5F75A9A3AC5D}" type="slidenum">
+            <a:fld id="{5C378A26-2240-4DAE-A959-1A4A19D65F96}" type="slidenum">
               <a:rPr b="0" lang="en-US" sz="1200" spc="-1" strike="noStrike">
                 <a:solidFill>
                   <a:srgbClr val="8b8b8b"/>
@@ -7992,7 +7909,7 @@
       </p:sp>
       <p:pic>
         <p:nvPicPr>
-          <p:cNvPr id="159" name="" descr=""/>
+          <p:cNvPr id="160" name="" descr=""/>
           <p:cNvPicPr/>
           <p:nvPr/>
         </p:nvPicPr>
@@ -8002,8 +7919,8 @@
         </p:blipFill>
         <p:spPr>
           <a:xfrm>
-            <a:off x="1828800" y="2743200"/>
-            <a:ext cx="5485680" cy="3837960"/>
+            <a:off x="457560" y="2895840"/>
+            <a:ext cx="8151480" cy="3503880"/>
           </a:xfrm>
           <a:prstGeom prst="rect">
             <a:avLst/>
@@ -8029,9 +7946,9 @@
         <p:txBody>
           <a:bodyPr/>
           <a:p>
-            <a:fld id="{9274ED48-1699-4925-8500-9755FBB3C2E8}" type="datetime1">
+            <a:fld id="{A3C86CA3-8836-4B40-86C3-AB8C24B3BF16}" type="datetime1">
               <a:rPr lang="en-US"/>
-              <a:t>11/26/2023</a:t>
+              <a:t>01/25/2024</a:t>
             </a:fld>
           </a:p>
         </p:txBody>
@@ -8068,7 +7985,7 @@
       </p:grpSpPr>
       <p:sp>
         <p:nvSpPr>
-          <p:cNvPr id="160" name="PlaceHolder 1"/>
+          <p:cNvPr id="161" name="PlaceHolder 1"/>
           <p:cNvSpPr>
             <a:spLocks noGrp="1"/>
           </p:cNvSpPr>
@@ -8079,7 +7996,7 @@
         <p:spPr>
           <a:xfrm>
             <a:off x="0" y="0"/>
-            <a:ext cx="9140400" cy="741960"/>
+            <a:ext cx="9140040" cy="741600"/>
           </a:xfrm>
           <a:prstGeom prst="rect">
             <a:avLst/>
@@ -8128,7 +8045,7 @@
       </p:sp>
       <p:sp>
         <p:nvSpPr>
-          <p:cNvPr id="161" name="PlaceHolder 2"/>
+          <p:cNvPr id="162" name="PlaceHolder 2"/>
           <p:cNvSpPr>
             <a:spLocks noGrp="1"/>
           </p:cNvSpPr>
@@ -8138,8 +8055,8 @@
         </p:nvSpPr>
         <p:spPr>
           <a:xfrm>
-            <a:off x="228600" y="1302120"/>
-            <a:ext cx="8682120" cy="983160"/>
+            <a:off x="232200" y="1302120"/>
+            <a:ext cx="8681760" cy="1211400"/>
           </a:xfrm>
           <a:prstGeom prst="rect">
             <a:avLst/>
@@ -8177,7 +8094,7 @@
                 <a:latin typeface="Calibri"/>
                 <a:ea typeface="DejaVu Sans"/>
               </a:rPr>
-              <a:t>DL: Neuron (14:41-16:48/16:48)</a:t>
+              <a:t>DL: Neuron (12:31-14:10/16:48)</a:t>
             </a:r>
             <a:endParaRPr b="0" lang="en-US" sz="1300" spc="-1" strike="noStrike">
               <a:latin typeface="Arial"/>
@@ -8205,7 +8122,7 @@
                 <a:latin typeface="Calibri"/>
                 <a:ea typeface="DejaVu Sans"/>
               </a:rPr>
-              <a:t>We have the neuron network as below.</a:t>
+              <a:t>Now, you can have multiple factors: </a:t>
             </a:r>
             <a:endParaRPr b="0" lang="en-US" sz="1300" spc="-1" strike="noStrike">
               <a:latin typeface="Arial"/>
@@ -8233,7 +8150,7 @@
                 <a:latin typeface="Calibri"/>
                 <a:ea typeface="DejaVu Sans"/>
               </a:rPr>
-              <a:t>We have input x, weight, and output y.</a:t>
+              <a:t>in addition to age, you can have income and education.</a:t>
             </a:r>
             <a:endParaRPr b="0" lang="en-US" sz="1300" spc="-1" strike="noStrike">
               <a:latin typeface="Arial"/>
@@ -8261,24 +8178,52 @@
                 <a:latin typeface="Calibri"/>
                 <a:ea typeface="DejaVu Sans"/>
               </a:rPr>
-              <a:t>We have input y and activation output z.</a:t>
+              <a:t>In this case, we have three features: age, income, and education.</a:t>
             </a:r>
             <a:endParaRPr b="0" lang="en-US" sz="1300" spc="-1" strike="noStrike">
               <a:latin typeface="Arial"/>
             </a:endParaRPr>
           </a:p>
-        </p:txBody>
-      </p:sp>
-      <p:sp>
-        <p:nvSpPr>
-          <p:cNvPr id="162" name="標題 14"/>
+          <a:p>
+            <a:pPr marL="465120" indent="-465120">
+              <a:lnSpc>
+                <a:spcPct val="100000"/>
+              </a:lnSpc>
+              <a:spcBef>
+                <a:spcPts val="360"/>
+              </a:spcBef>
+              <a:buClr>
+                <a:srgbClr val="0070c0"/>
+              </a:buClr>
+              <a:buFont typeface="Wingdings" charset="2"/>
+              <a:buChar char=""/>
+            </a:pPr>
+            <a:r>
+              <a:rPr b="0" lang="en-US" sz="1300" spc="-1" strike="noStrike">
+                <a:solidFill>
+                  <a:srgbClr val="000000"/>
+                </a:solidFill>
+                <a:latin typeface="Calibri"/>
+                <a:ea typeface="DejaVu Sans"/>
+              </a:rPr>
+              <a:t>We may have more features than this example.</a:t>
+            </a:r>
+            <a:endParaRPr b="0" lang="en-US" sz="1300" spc="-1" strike="noStrike">
+              <a:latin typeface="Arial"/>
+            </a:endParaRPr>
+          </a:p>
+        </p:txBody>
+      </p:sp>
+      <p:sp>
+        <p:nvSpPr>
+          <p:cNvPr id="163" name="標題 13"/>
           <p:cNvSpPr/>
           <p:nvPr/>
         </p:nvSpPr>
         <p:spPr>
           <a:xfrm>
             <a:off x="2880" y="759600"/>
-            <a:ext cx="9137520" cy="337320"/>
+            <a:ext cx="9137160" cy="336960"/>
           </a:xfrm>
           <a:prstGeom prst="rect">
             <a:avLst/>
@@ -8333,7 +8278,7 @@
       </p:sp>
       <p:sp>
         <p:nvSpPr>
-          <p:cNvPr id="163" name="PlaceHolder 3"/>
+          <p:cNvPr id="164" name="PlaceHolder 3"/>
           <p:cNvSpPr>
             <a:spLocks noGrp="1"/>
           </p:cNvSpPr>
@@ -8344,7 +8289,7 @@
         <p:spPr>
           <a:xfrm>
             <a:off x="6553080" y="6356520"/>
-            <a:ext cx="2111040" cy="342360"/>
+            <a:ext cx="2110680" cy="342000"/>
           </a:xfrm>
           <a:prstGeom prst="rect">
             <a:avLst/>
@@ -8380,7 +8325,7 @@
               </a:lnSpc>
               <a:buNone/>
             </a:pPr>
-            <a:fld id="{6AF8F2A8-79EC-4894-A112-120881E6C7DA}" type="slidenum">
+            <a:fld id="{2B8A4CBE-19FD-472C-AE7C-CB7C2A887813}" type="slidenum">
               <a:rPr b="0" lang="en-US" sz="1200" spc="-1" strike="noStrike">
                 <a:solidFill>
                   <a:srgbClr val="8b8b8b"/>
@@ -8396,36 +8341,6 @@
           </a:p>
         </p:txBody>
       </p:sp>
-      <p:sp>
-        <p:nvSpPr>
-          <p:cNvPr id="164" name=""/>
-          <p:cNvSpPr/>
-          <p:nvPr/>
-        </p:nvSpPr>
-        <p:spPr>
-          <a:xfrm>
-            <a:off x="7086600" y="5486400"/>
-            <a:ext cx="1142280" cy="685080"/>
-          </a:xfrm>
-          <a:prstGeom prst="rect">
-            <a:avLst/>
-          </a:prstGeom>
-          <a:solidFill>
-            <a:srgbClr val="ffffff"/>
-          </a:solidFill>
-          <a:ln w="0">
-            <a:solidFill>
-              <a:srgbClr val="ffffff"/>
-            </a:solidFill>
-          </a:ln>
-        </p:spPr>
-        <p:style>
-          <a:lnRef idx="0"/>
-          <a:fillRef idx="0"/>
-          <a:effectRef idx="0"/>
-          <a:fontRef idx="minor"/>
-        </p:style>
-      </p:sp>
       <p:pic>
         <p:nvPicPr>
           <p:cNvPr id="165" name="" descr=""/>
@@ -8438,8 +8353,8 @@
         </p:blipFill>
         <p:spPr>
           <a:xfrm>
-            <a:off x="1235160" y="2698920"/>
-            <a:ext cx="6536520" cy="3656880"/>
+            <a:off x="1828800" y="2743200"/>
+            <a:ext cx="5485320" cy="3837600"/>
           </a:xfrm>
           <a:prstGeom prst="rect">
             <a:avLst/>
@@ -8465,9 +8380,9 @@
         <p:txBody>
           <a:bodyPr/>
           <a:p>
-            <a:fld id="{B1125375-0005-46EA-BE8B-C8E7F3A35EA5}" type="datetime1">
+            <a:fld id="{2CE6EA2E-55D0-4258-B403-E75952CDAFE2}" type="datetime1">
               <a:rPr lang="en-US"/>
-              <a:t>11/26/2023</a:t>
+              <a:t>01/25/2024</a:t>
             </a:fld>
           </a:p>
         </p:txBody>
@@ -8514,8 +8429,207 @@
         </p:nvSpPr>
         <p:spPr>
           <a:xfrm>
-            <a:off x="0" y="2130480"/>
-            <a:ext cx="9121320" cy="1447200"/>
+            <a:off x="0" y="0"/>
+            <a:ext cx="9140040" cy="741600"/>
+          </a:xfrm>
+          <a:prstGeom prst="rect">
+            <a:avLst/>
+          </a:prstGeom>
+          <a:gradFill rotWithShape="0">
+            <a:gsLst>
+              <a:gs pos="0">
+                <a:srgbClr val="bf0000"/>
+              </a:gs>
+              <a:gs pos="100000">
+                <a:srgbClr val="710000"/>
+              </a:gs>
+            </a:gsLst>
+            <a:lin ang="8100000"/>
+          </a:gradFill>
+          <a:ln w="0">
+            <a:noFill/>
+          </a:ln>
+        </p:spPr>
+        <p:txBody>
+          <a:bodyPr lIns="0" rIns="0" tIns="0" bIns="0" anchor="ctr">
+            <a:normAutofit/>
+          </a:bodyPr>
+          <a:p>
+            <a:pPr>
+              <a:lnSpc>
+                <a:spcPct val="100000"/>
+              </a:lnSpc>
+              <a:buNone/>
+            </a:pPr>
+            <a:r>
+              <a:rPr b="1" lang="en-US" sz="4200" spc="-1" strike="noStrike">
+                <a:solidFill>
+                  <a:srgbClr val="ffff00"/>
+                </a:solidFill>
+                <a:latin typeface="Calibri"/>
+                <a:ea typeface="DejaVu Sans"/>
+              </a:rPr>
+              <a:t>003 DL: Neuron</a:t>
+            </a:r>
+            <a:endParaRPr b="0" lang="en-US" sz="4200" spc="-1" strike="noStrike">
+              <a:latin typeface="Arial"/>
+            </a:endParaRPr>
+          </a:p>
+        </p:txBody>
+      </p:sp>
+      <p:sp>
+        <p:nvSpPr>
+          <p:cNvPr id="167" name="PlaceHolder 2"/>
+          <p:cNvSpPr>
+            <a:spLocks noGrp="1"/>
+          </p:cNvSpPr>
+          <p:nvPr>
+            <p:ph type="subTitle"/>
+          </p:nvPr>
+        </p:nvSpPr>
+        <p:spPr>
+          <a:xfrm>
+            <a:off x="228600" y="1302120"/>
+            <a:ext cx="8681760" cy="982800"/>
+          </a:xfrm>
+          <a:prstGeom prst="rect">
+            <a:avLst/>
+          </a:prstGeom>
+          <a:noFill/>
+          <a:ln w="0">
+            <a:solidFill>
+              <a:srgbClr val="c00000"/>
+            </a:solidFill>
+          </a:ln>
+        </p:spPr>
+        <p:txBody>
+          <a:bodyPr lIns="0" rIns="0" tIns="0" bIns="0" anchor="t">
+            <a:noAutofit/>
+          </a:bodyPr>
+          <a:p>
+            <a:pPr marL="465120" indent="-465120">
+              <a:lnSpc>
+                <a:spcPct val="100000"/>
+              </a:lnSpc>
+              <a:spcBef>
+                <a:spcPts val="360"/>
+              </a:spcBef>
+              <a:buClr>
+                <a:srgbClr val="0070c0"/>
+              </a:buClr>
+              <a:buFont typeface="Wingdings" charset="2"/>
+              <a:buChar char=""/>
+            </a:pPr>
+            <a:r>
+              <a:rPr b="1" lang="en-US" sz="1300" spc="-1" strike="noStrike">
+                <a:solidFill>
+                  <a:srgbClr val="000000"/>
+                </a:solidFill>
+                <a:latin typeface="Calibri"/>
+                <a:ea typeface="DejaVu Sans"/>
+              </a:rPr>
+              <a:t>DL: Neuron (14:41-16:48/16:48)</a:t>
+            </a:r>
+            <a:endParaRPr b="0" lang="en-US" sz="1300" spc="-1" strike="noStrike">
+              <a:latin typeface="Arial"/>
+            </a:endParaRPr>
+          </a:p>
+          <a:p>
+            <a:pPr marL="465120" indent="-465120">
+              <a:lnSpc>
+                <a:spcPct val="100000"/>
+              </a:lnSpc>
+              <a:spcBef>
+                <a:spcPts val="360"/>
+              </a:spcBef>
+              <a:buClr>
+                <a:srgbClr val="0070c0"/>
+              </a:buClr>
+              <a:buFont typeface="Wingdings" charset="2"/>
+              <a:buChar char=""/>
+            </a:pPr>
+            <a:r>
+              <a:rPr b="0" lang="en-US" sz="1300" spc="-1" strike="noStrike">
+                <a:solidFill>
+                  <a:srgbClr val="000000"/>
+                </a:solidFill>
+                <a:latin typeface="Calibri"/>
+                <a:ea typeface="DejaVu Sans"/>
+              </a:rPr>
+              <a:t>We have the neuron network as below.</a:t>
+            </a:r>
+            <a:endParaRPr b="0" lang="en-US" sz="1300" spc="-1" strike="noStrike">
+              <a:latin typeface="Arial"/>
+            </a:endParaRPr>
+          </a:p>
+          <a:p>
+            <a:pPr marL="465120" indent="-465120">
+              <a:lnSpc>
+                <a:spcPct val="100000"/>
+              </a:lnSpc>
+              <a:spcBef>
+                <a:spcPts val="360"/>
+              </a:spcBef>
+              <a:buClr>
+                <a:srgbClr val="0070c0"/>
+              </a:buClr>
+              <a:buFont typeface="Wingdings" charset="2"/>
+              <a:buChar char=""/>
+            </a:pPr>
+            <a:r>
+              <a:rPr b="0" lang="en-US" sz="1300" spc="-1" strike="noStrike">
+                <a:solidFill>
+                  <a:srgbClr val="000000"/>
+                </a:solidFill>
+                <a:latin typeface="Calibri"/>
+                <a:ea typeface="DejaVu Sans"/>
+              </a:rPr>
+              <a:t>We have input x, weight, and output y.</a:t>
+            </a:r>
+            <a:endParaRPr b="0" lang="en-US" sz="1300" spc="-1" strike="noStrike">
+              <a:latin typeface="Arial"/>
+            </a:endParaRPr>
+          </a:p>
+          <a:p>
+            <a:pPr marL="465120" indent="-465120">
+              <a:lnSpc>
+                <a:spcPct val="100000"/>
+              </a:lnSpc>
+              <a:spcBef>
+                <a:spcPts val="360"/>
+              </a:spcBef>
+              <a:buClr>
+                <a:srgbClr val="0070c0"/>
+              </a:buClr>
+              <a:buFont typeface="Wingdings" charset="2"/>
+              <a:buChar char=""/>
+            </a:pPr>
+            <a:r>
+              <a:rPr b="0" lang="en-US" sz="1300" spc="-1" strike="noStrike">
+                <a:solidFill>
+                  <a:srgbClr val="000000"/>
+                </a:solidFill>
+                <a:latin typeface="Calibri"/>
+                <a:ea typeface="DejaVu Sans"/>
+              </a:rPr>
+              <a:t>We have input y and activation output z.</a:t>
+            </a:r>
+            <a:endParaRPr b="0" lang="en-US" sz="1300" spc="-1" strike="noStrike">
+              <a:latin typeface="Arial"/>
+            </a:endParaRPr>
+          </a:p>
+        </p:txBody>
+      </p:sp>
+      <p:sp>
+        <p:nvSpPr>
+          <p:cNvPr id="168" name="標題 14"/>
+          <p:cNvSpPr/>
+          <p:nvPr/>
+        </p:nvSpPr>
+        <p:spPr>
+          <a:xfrm>
+            <a:off x="2880" y="759600"/>
+            <a:ext cx="9137160" cy="336960"/>
           </a:xfrm>
           <a:prstGeom prst="rect">
             <a:avLst/>
@@ -8535,6 +8649,243 @@
             <a:noFill/>
           </a:ln>
         </p:spPr>
+        <p:style>
+          <a:lnRef idx="0"/>
+          <a:fillRef idx="0"/>
+          <a:effectRef idx="0"/>
+          <a:fontRef idx="minor"/>
+        </p:style>
+        <p:txBody>
+          <a:bodyPr lIns="90000" rIns="90000" tIns="45000" bIns="45000" anchor="ctr">
+            <a:normAutofit/>
+          </a:bodyPr>
+          <a:p>
+            <a:pPr>
+              <a:lnSpc>
+                <a:spcPct val="100000"/>
+              </a:lnSpc>
+              <a:buNone/>
+            </a:pPr>
+            <a:r>
+              <a:rPr b="0" lang="en-US" sz="1200" spc="-1" strike="noStrike">
+                <a:solidFill>
+                  <a:srgbClr val="000000"/>
+                </a:solidFill>
+                <a:latin typeface="Calibri"/>
+                <a:ea typeface="DejaVu Sans"/>
+              </a:rPr>
+              <a:t>https://www.youtube.com/watch?v=VhRtaziEWd4&amp;list=PLeo1K3hjS3uu7CxAacxVndI4bE_o3BDtO&amp;index=3</a:t>
+            </a:r>
+            <a:endParaRPr b="0" lang="en-US" sz="1200" spc="-1" strike="noStrike">
+              <a:latin typeface="Arial"/>
+            </a:endParaRPr>
+          </a:p>
+        </p:txBody>
+      </p:sp>
+      <p:sp>
+        <p:nvSpPr>
+          <p:cNvPr id="169" name="PlaceHolder 3"/>
+          <p:cNvSpPr>
+            <a:spLocks noGrp="1"/>
+          </p:cNvSpPr>
+          <p:nvPr>
+            <p:ph type="sldNum" idx="24"/>
+          </p:nvPr>
+        </p:nvSpPr>
+        <p:spPr>
+          <a:xfrm>
+            <a:off x="6553080" y="6356520"/>
+            <a:ext cx="2110680" cy="342000"/>
+          </a:xfrm>
+          <a:prstGeom prst="rect">
+            <a:avLst/>
+          </a:prstGeom>
+          <a:noFill/>
+          <a:ln w="0">
+            <a:noFill/>
+          </a:ln>
+        </p:spPr>
+        <p:txBody>
+          <a:bodyPr lIns="90000" rIns="90000" tIns="45000" bIns="45000" anchor="ctr">
+            <a:noAutofit/>
+          </a:bodyPr>
+          <a:lstStyle>
+            <a:lvl1pPr algn="r">
+              <a:lnSpc>
+                <a:spcPct val="100000"/>
+              </a:lnSpc>
+              <a:buNone/>
+              <a:defRPr b="0" lang="en-US" sz="1200" spc="-1" strike="noStrike">
+                <a:solidFill>
+                  <a:srgbClr val="8b8b8b"/>
+                </a:solidFill>
+                <a:latin typeface="Calibri"/>
+                <a:ea typeface="DejaVu Sans"/>
+              </a:defRPr>
+            </a:lvl1pPr>
+          </a:lstStyle>
+          <a:p>
+            <a:pPr algn="r">
+              <a:lnSpc>
+                <a:spcPct val="100000"/>
+              </a:lnSpc>
+              <a:buNone/>
+            </a:pPr>
+            <a:fld id="{B784776C-4889-472B-A759-F94C15DBEDD9}" type="slidenum">
+              <a:rPr b="0" lang="en-US" sz="1200" spc="-1" strike="noStrike">
+                <a:solidFill>
+                  <a:srgbClr val="8b8b8b"/>
+                </a:solidFill>
+                <a:latin typeface="Calibri"/>
+                <a:ea typeface="DejaVu Sans"/>
+              </a:rPr>
+              <a:t>&lt;number&gt;</a:t>
+            </a:fld>
+            <a:endParaRPr b="0" lang="en-US" sz="1200" spc="-1" strike="noStrike">
+              <a:latin typeface="Times New Roman"/>
+            </a:endParaRPr>
+          </a:p>
+        </p:txBody>
+      </p:sp>
+      <p:sp>
+        <p:nvSpPr>
+          <p:cNvPr id="170" name=""/>
+          <p:cNvSpPr/>
+          <p:nvPr/>
+        </p:nvSpPr>
+        <p:spPr>
+          <a:xfrm>
+            <a:off x="7086600" y="5486400"/>
+            <a:ext cx="1141920" cy="684720"/>
+          </a:xfrm>
+          <a:prstGeom prst="rect">
+            <a:avLst/>
+          </a:prstGeom>
+          <a:solidFill>
+            <a:srgbClr val="ffffff"/>
+          </a:solidFill>
+          <a:ln w="0">
+            <a:solidFill>
+              <a:srgbClr val="ffffff"/>
+            </a:solidFill>
+          </a:ln>
+        </p:spPr>
+        <p:style>
+          <a:lnRef idx="0"/>
+          <a:fillRef idx="0"/>
+          <a:effectRef idx="0"/>
+          <a:fontRef idx="minor"/>
+        </p:style>
+      </p:sp>
+      <p:pic>
+        <p:nvPicPr>
+          <p:cNvPr id="171" name="" descr=""/>
+          <p:cNvPicPr/>
+          <p:nvPr/>
+        </p:nvPicPr>
+        <p:blipFill>
+          <a:blip r:embed="rId1"/>
+          <a:stretch/>
+        </p:blipFill>
+        <p:spPr>
+          <a:xfrm>
+            <a:off x="1235160" y="2698920"/>
+            <a:ext cx="6536160" cy="3656520"/>
+          </a:xfrm>
+          <a:prstGeom prst="rect">
+            <a:avLst/>
+          </a:prstGeom>
+          <a:ln w="0">
+            <a:solidFill>
+              <a:srgbClr val="bf0041"/>
+            </a:solidFill>
+          </a:ln>
+        </p:spPr>
+      </p:pic>
+      <p:sp>
+        <p:nvSpPr>
+          <p:cNvPr id="5" name="PlaceHolder 4"/>
+          <p:cNvSpPr>
+            <a:spLocks noGrp="1"/>
+          </p:cNvSpPr>
+          <p:nvPr>
+            <p:ph type="dt" idx="6"/>
+          </p:nvPr>
+        </p:nvSpPr>
+        <p:spPr/>
+        <p:txBody>
+          <a:bodyPr/>
+          <a:p>
+            <a:fld id="{55151454-4FDA-456C-887B-64A8A5E6C2E0}" type="datetime1">
+              <a:rPr lang="en-US"/>
+              <a:t>01/25/2024</a:t>
+            </a:fld>
+          </a:p>
+        </p:txBody>
+      </p:sp>
+    </p:spTree>
+  </p:cSld>
+  <mc:AlternateContent>
+    <mc:Choice Requires="p14">
+      <p:transition spd="slow" p14:dur="2000"/>
+    </mc:Choice>
+    <mc:Fallback>
+      <p:transition spd="slow"/>
+    </mc:Fallback>
+  </mc:AlternateContent>
+</p:sld>
+</file>
+
+<file path=ppt/slides/slide17.xml><?xml version="1.0" encoding="utf-8"?>
+<p:sld xmlns:a="http://schemas.openxmlformats.org/drawingml/2006/main" xmlns:p="http://schemas.openxmlformats.org/presentationml/2006/main" xmlns:r="http://schemas.openxmlformats.org/officeDocument/2006/relationships" xmlns:p14="http://schemas.microsoft.com/office/powerpoint/2010/main" xmlns:p15="http://schemas.microsoft.com/office/powerpoint/2012/main" xmlns:mc="http://schemas.openxmlformats.org/markup-compatibility/2006">
+  <p:cSld>
+    <p:spTree>
+      <p:nvGrpSpPr>
+        <p:cNvPr id="1" name=""/>
+        <p:cNvGrpSpPr/>
+        <p:nvPr/>
+      </p:nvGrpSpPr>
+      <p:grpSpPr>
+        <a:xfrm>
+          <a:off x="0" y="0"/>
+          <a:ext cx="0" cy="0"/>
+          <a:chOff x="0" y="0"/>
+          <a:chExt cx="0" cy="0"/>
+        </a:xfrm>
+      </p:grpSpPr>
+      <p:sp>
+        <p:nvSpPr>
+          <p:cNvPr id="172" name="PlaceHolder 1"/>
+          <p:cNvSpPr>
+            <a:spLocks noGrp="1"/>
+          </p:cNvSpPr>
+          <p:nvPr>
+            <p:ph type="title"/>
+          </p:nvPr>
+        </p:nvSpPr>
+        <p:spPr>
+          <a:xfrm>
+            <a:off x="0" y="2130480"/>
+            <a:ext cx="9120960" cy="1446840"/>
+          </a:xfrm>
+          <a:prstGeom prst="rect">
+            <a:avLst/>
+          </a:prstGeom>
+          <a:gradFill rotWithShape="0">
+            <a:gsLst>
+              <a:gs pos="0">
+                <a:srgbClr val="00afef"/>
+              </a:gs>
+              <a:gs pos="100000">
+                <a:srgbClr val="00688e"/>
+              </a:gs>
+            </a:gsLst>
+            <a:lin ang="8100000"/>
+          </a:gradFill>
+          <a:ln w="0">
+            <a:noFill/>
+          </a:ln>
+        </p:spPr>
         <p:txBody>
           <a:bodyPr lIns="0" rIns="0" tIns="0" bIns="0" anchor="ctr">
             <a:normAutofit/>
@@ -8576,8 +8927,8 @@
         <p:txBody>
           <a:bodyPr/>
           <a:p>
-            <a:fld id="{6006DAC6-D63A-4999-AE4B-751DE257C34C}" type="slidenum">
-              <a:t>16</a:t>
+            <a:fld id="{EE4F3C42-61B2-4E01-86FF-A46455615929}" type="slidenum">
+              <a:t>17</a:t>
             </a:fld>
           </a:p>
         </p:txBody>
@@ -8596,9 +8947,9 @@
         <p:txBody>
           <a:bodyPr/>
           <a:p>
-            <a:fld id="{3BB293DD-432D-4CC2-B540-C708B2210C7C}" type="datetime1">
+            <a:fld id="{1EA89917-65B8-4CD3-A4DF-453C9A07C915}" type="datetime1">
               <a:rPr lang="en-US"/>
-              <a:t>11/26/2023</a:t>
+              <a:t>01/25/2024</a:t>
             </a:fld>
           </a:p>
         </p:txBody>
@@ -8646,7 +8997,7 @@
         <p:spPr>
           <a:xfrm>
             <a:off x="0" y="0"/>
-            <a:ext cx="9140400" cy="741960"/>
+            <a:ext cx="9140040" cy="741600"/>
           </a:xfrm>
           <a:prstGeom prst="rect">
             <a:avLst/>
@@ -8706,7 +9057,7 @@
         <p:spPr>
           <a:xfrm>
             <a:off x="232200" y="1302120"/>
-            <a:ext cx="5253120" cy="1440000"/>
+            <a:ext cx="5252760" cy="1439640"/>
           </a:xfrm>
           <a:prstGeom prst="rect">
             <a:avLst/>
@@ -8845,7 +9196,7 @@
         <p:spPr>
           <a:xfrm>
             <a:off x="2880" y="759600"/>
-            <a:ext cx="9137520" cy="337320"/>
+            <a:ext cx="9137160" cy="336960"/>
           </a:xfrm>
           <a:prstGeom prst="rect">
             <a:avLst/>
@@ -8911,7 +9262,7 @@
         <p:spPr>
           <a:xfrm>
             <a:off x="6553080" y="6356520"/>
-            <a:ext cx="2111040" cy="342360"/>
+            <a:ext cx="2110680" cy="342000"/>
           </a:xfrm>
           <a:prstGeom prst="rect">
             <a:avLst/>
@@ -8947,7 +9298,7 @@
               </a:lnSpc>
               <a:buNone/>
             </a:pPr>
-            <a:fld id="{21ED1096-D318-42E3-B7C3-55B573E2D608}" type="slidenum">
+            <a:fld id="{A0C00FF1-0F9F-4179-BC2C-8752CCFD75EB}" type="slidenum">
               <a:rPr b="0" lang="en-US" sz="1200" spc="-1" strike="noStrike">
                 <a:solidFill>
                   <a:srgbClr val="8b8b8b"/>
@@ -8976,7 +9327,7 @@
         <p:spPr>
           <a:xfrm>
             <a:off x="5534280" y="1381320"/>
-            <a:ext cx="3608640" cy="5018400"/>
+            <a:ext cx="3608280" cy="5018040"/>
           </a:xfrm>
           <a:prstGeom prst="rect">
             <a:avLst/>
@@ -9001,7 +9352,7 @@
         <p:spPr>
           <a:xfrm>
             <a:off x="685800" y="3858120"/>
-            <a:ext cx="4361040" cy="2541600"/>
+            <a:ext cx="4360680" cy="2541240"/>
           </a:xfrm>
           <a:prstGeom prst="rect">
             <a:avLst/>
@@ -9027,9 +9378,9 @@
         <p:txBody>
           <a:bodyPr/>
           <a:p>
-            <a:fld id="{81D7B403-B139-4592-B89B-871DC6599BEF}" type="datetime1">
+            <a:fld id="{2AD1A966-2A4E-4FCA-B6D4-1C1D3FA3669E}" type="datetime1">
               <a:rPr lang="en-US"/>
-              <a:t>11/26/2023</a:t>
+              <a:t>01/25/2024</a:t>
             </a:fld>
           </a:p>
         </p:txBody>
@@ -9077,7 +9428,7 @@
         <p:spPr>
           <a:xfrm>
             <a:off x="0" y="0"/>
-            <a:ext cx="9140400" cy="741960"/>
+            <a:ext cx="9140040" cy="741600"/>
           </a:xfrm>
           <a:prstGeom prst="rect">
             <a:avLst/>
@@ -9137,7 +9488,7 @@
         <p:spPr>
           <a:xfrm>
             <a:off x="232200" y="1302120"/>
-            <a:ext cx="8453520" cy="525600"/>
+            <a:ext cx="8453160" cy="525240"/>
           </a:xfrm>
           <a:prstGeom prst="rect">
             <a:avLst/>
@@ -9220,7 +9571,7 @@
         <p:spPr>
           <a:xfrm>
             <a:off x="2880" y="759600"/>
-            <a:ext cx="9137520" cy="337320"/>
+            <a:ext cx="9137160" cy="336960"/>
           </a:xfrm>
           <a:prstGeom prst="rect">
             <a:avLst/>
@@ -9286,7 +9637,7 @@
         <p:spPr>
           <a:xfrm>
             <a:off x="6553080" y="6356520"/>
-            <a:ext cx="2111040" cy="342360"/>
+            <a:ext cx="2110680" cy="342000"/>
           </a:xfrm>
           <a:prstGeom prst="rect">
             <a:avLst/>
@@ -9322,7 +9673,7 @@
               </a:lnSpc>
               <a:buNone/>
             </a:pPr>
-            <a:fld id="{DB1093D6-0A8F-4450-9751-23126D1604EF}" type="slidenum">
+            <a:fld id="{36E5352E-1882-41A1-A379-4AEEEE316EF9}" type="slidenum">
               <a:rPr b="0" lang="en-US" sz="1200" spc="-1" strike="noStrike">
                 <a:solidFill>
                   <a:srgbClr val="8b8b8b"/>
@@ -9351,7 +9702,7 @@
         <p:spPr>
           <a:xfrm>
             <a:off x="1143000" y="2270520"/>
-            <a:ext cx="6171120" cy="3900600"/>
+            <a:ext cx="6170760" cy="3900240"/>
           </a:xfrm>
           <a:prstGeom prst="rect">
             <a:avLst/>
@@ -9377,9 +9728,9 @@
         <p:txBody>
           <a:bodyPr/>
           <a:p>
-            <a:fld id="{D6208197-A860-4A7F-A52C-81C05514DC2B}" type="datetime1">
+            <a:fld id="{CD8594EC-EE93-49B1-A2DE-38811CEA9F1F}" type="datetime1">
               <a:rPr lang="en-US"/>
-              <a:t>11/26/2023</a:t>
+              <a:t>01/25/2024</a:t>
             </a:fld>
           </a:p>
         </p:txBody>
@@ -9427,7 +9778,7 @@
         <p:spPr>
           <a:xfrm>
             <a:off x="0" y="0"/>
-            <a:ext cx="9140400" cy="741960"/>
+            <a:ext cx="9140040" cy="741600"/>
           </a:xfrm>
           <a:prstGeom prst="rect">
             <a:avLst/>
@@ -9487,7 +9838,7 @@
         <p:spPr>
           <a:xfrm>
             <a:off x="232200" y="1302120"/>
-            <a:ext cx="8453520" cy="754200"/>
+            <a:ext cx="8453160" cy="753840"/>
           </a:xfrm>
           <a:prstGeom prst="rect">
             <a:avLst/>
@@ -9598,7 +9949,7 @@
         <p:spPr>
           <a:xfrm>
             <a:off x="2880" y="759600"/>
-            <a:ext cx="9137520" cy="337320"/>
+            <a:ext cx="9137160" cy="336960"/>
           </a:xfrm>
           <a:prstGeom prst="rect">
             <a:avLst/>
@@ -9664,7 +10015,7 @@
         <p:spPr>
           <a:xfrm>
             <a:off x="6553080" y="6356520"/>
-            <a:ext cx="2111040" cy="342360"/>
+            <a:ext cx="2110680" cy="342000"/>
           </a:xfrm>
           <a:prstGeom prst="rect">
             <a:avLst/>
@@ -9700,7 +10051,7 @@
               </a:lnSpc>
               <a:buNone/>
             </a:pPr>
-            <a:fld id="{1F28803A-9FDD-4FA5-8853-03C2E98FFB40}" type="slidenum">
+            <a:fld id="{E5E5D837-2978-436E-B1B1-A4FE14B53777}" type="slidenum">
               <a:rPr b="0" lang="en-US" sz="1200" spc="-1" strike="noStrike">
                 <a:solidFill>
                   <a:srgbClr val="8b8b8b"/>
@@ -9729,7 +10080,7 @@
         <p:spPr>
           <a:xfrm>
             <a:off x="1143000" y="2185560"/>
-            <a:ext cx="6399720" cy="4214160"/>
+            <a:ext cx="6399360" cy="4213800"/>
           </a:xfrm>
           <a:prstGeom prst="rect">
             <a:avLst/>
@@ -9755,9 +10106,9 @@
         <p:txBody>
           <a:bodyPr/>
           <a:p>
-            <a:fld id="{192D5048-71BE-46AB-81C5-F703D3252AB2}" type="datetime1">
+            <a:fld id="{105EA646-8ADB-41E4-8263-7A1C1C99F9D9}" type="datetime1">
               <a:rPr lang="en-US"/>
-              <a:t>11/26/2023</a:t>
+              <a:t>01/25/2024</a:t>
             </a:fld>
           </a:p>
         </p:txBody>
@@ -9805,7 +10156,7 @@
         <p:spPr>
           <a:xfrm>
             <a:off x="0" y="0"/>
-            <a:ext cx="9140400" cy="741960"/>
+            <a:ext cx="9140040" cy="741600"/>
           </a:xfrm>
           <a:prstGeom prst="rect">
             <a:avLst/>
@@ -9865,7 +10216,7 @@
         <p:spPr>
           <a:xfrm>
             <a:off x="232200" y="1302120"/>
-            <a:ext cx="8453520" cy="982800"/>
+            <a:ext cx="8453160" cy="982440"/>
           </a:xfrm>
           <a:prstGeom prst="rect">
             <a:avLst/>
@@ -10004,7 +10355,7 @@
         <p:spPr>
           <a:xfrm>
             <a:off x="2880" y="759600"/>
-            <a:ext cx="9137520" cy="337320"/>
+            <a:ext cx="9137160" cy="336960"/>
           </a:xfrm>
           <a:prstGeom prst="rect">
             <a:avLst/>
@@ -10070,7 +10421,7 @@
         <p:spPr>
           <a:xfrm>
             <a:off x="6553080" y="6356520"/>
-            <a:ext cx="2111040" cy="342360"/>
+            <a:ext cx="2110680" cy="342000"/>
           </a:xfrm>
           <a:prstGeom prst="rect">
             <a:avLst/>
@@ -10106,7 +10457,7 @@
               </a:lnSpc>
               <a:buNone/>
             </a:pPr>
-            <a:fld id="{63328E2F-A9C2-4561-855C-0AFBDA7F321E}" type="slidenum">
+            <a:fld id="{4F61EF6B-B24F-4B2C-9DA1-984B80AD0231}" type="slidenum">
               <a:rPr b="0" lang="en-US" sz="1200" spc="-1" strike="noStrike">
                 <a:solidFill>
                   <a:srgbClr val="8b8b8b"/>
@@ -10135,7 +10486,7 @@
         <p:spPr>
           <a:xfrm>
             <a:off x="914400" y="2439720"/>
-            <a:ext cx="6427800" cy="4259160"/>
+            <a:ext cx="6427440" cy="4258800"/>
           </a:xfrm>
           <a:prstGeom prst="rect">
             <a:avLst/>
@@ -10161,9 +10512,9 @@
         <p:txBody>
           <a:bodyPr/>
           <a:p>
-            <a:fld id="{B270CD42-D2B0-4AFE-A200-0F9DB3FE2009}" type="datetime1">
+            <a:fld id="{73A4F0B6-93A8-418F-9E95-8304E5A3599A}" type="datetime1">
               <a:rPr lang="en-US"/>
-              <a:t>11/26/2023</a:t>
+              <a:t>01/25/2024</a:t>
             </a:fld>
           </a:p>
         </p:txBody>
@@ -10211,7 +10562,7 @@
         <p:spPr>
           <a:xfrm>
             <a:off x="0" y="0"/>
-            <a:ext cx="9140400" cy="741960"/>
+            <a:ext cx="9140040" cy="741600"/>
           </a:xfrm>
           <a:prstGeom prst="rect">
             <a:avLst/>
@@ -10271,7 +10622,7 @@
         <p:spPr>
           <a:xfrm>
             <a:off x="232200" y="1302120"/>
-            <a:ext cx="8453520" cy="982800"/>
+            <a:ext cx="8453160" cy="982440"/>
           </a:xfrm>
           <a:prstGeom prst="rect">
             <a:avLst/>
@@ -10354,7 +10705,7 @@
         <p:spPr>
           <a:xfrm>
             <a:off x="2880" y="759600"/>
-            <a:ext cx="9137520" cy="337320"/>
+            <a:ext cx="9137160" cy="336960"/>
           </a:xfrm>
           <a:prstGeom prst="rect">
             <a:avLst/>
@@ -10420,7 +10771,7 @@
         <p:spPr>
           <a:xfrm>
             <a:off x="6553080" y="6356520"/>
-            <a:ext cx="2111040" cy="342360"/>
+            <a:ext cx="2110680" cy="342000"/>
           </a:xfrm>
           <a:prstGeom prst="rect">
             <a:avLst/>
@@ -10456,7 +10807,7 @@
               </a:lnSpc>
               <a:buNone/>
             </a:pPr>
-            <a:fld id="{16CF8CE3-A94A-4843-BE5A-DD40197088D4}" type="slidenum">
+            <a:fld id="{F2D5AE8E-F00D-4E2A-8942-AD6D24420A53}" type="slidenum">
               <a:rPr b="0" lang="en-US" sz="1200" spc="-1" strike="noStrike">
                 <a:solidFill>
                   <a:srgbClr val="8b8b8b"/>
@@ -10485,7 +10836,7 @@
         <p:spPr>
           <a:xfrm>
             <a:off x="914400" y="2679480"/>
-            <a:ext cx="6096960" cy="3729240"/>
+            <a:ext cx="6096600" cy="3728880"/>
           </a:xfrm>
           <a:prstGeom prst="rect">
             <a:avLst/>
@@ -10539,9 +10890,9 @@
         <p:txBody>
           <a:bodyPr/>
           <a:p>
-            <a:fld id="{D9D0C180-E41C-43BC-AADD-31BC7948E67E}" type="datetime1">
+            <a:fld id="{12EA9CD3-3DD5-4CD3-8979-2E722E8C1F46}" type="datetime1">
               <a:rPr lang="en-US"/>
-              <a:t>11/26/2023</a:t>
+              <a:t>01/25/2024</a:t>
             </a:fld>
           </a:p>
         </p:txBody>
@@ -10589,7 +10940,7 @@
         <p:spPr>
           <a:xfrm>
             <a:off x="0" y="0"/>
-            <a:ext cx="9140400" cy="741960"/>
+            <a:ext cx="9140040" cy="741600"/>
           </a:xfrm>
           <a:prstGeom prst="rect">
             <a:avLst/>
@@ -10649,7 +11000,7 @@
         <p:spPr>
           <a:xfrm>
             <a:off x="232200" y="1302120"/>
-            <a:ext cx="8453520" cy="525600"/>
+            <a:ext cx="8453160" cy="982440"/>
           </a:xfrm>
           <a:prstGeom prst="rect">
             <a:avLst/>
@@ -10687,7 +11038,7 @@
                 <a:latin typeface="Calibri"/>
                 <a:ea typeface="DejaVu Sans"/>
               </a:rPr>
-              <a:t>DL: Neuron (4:10-4:30/16:48)</a:t>
+              <a:t>DL: Neuron (3:10-4:00/16:48)</a:t>
             </a:r>
             <a:endParaRPr b="0" lang="en-US" sz="1300" spc="-1" strike="noStrike">
               <a:latin typeface="Arial"/>
@@ -10715,7 +11066,7 @@
                 <a:latin typeface="Calibri"/>
                 <a:ea typeface="DejaVu Sans"/>
               </a:rPr>
-              <a:t>This line is much better for mis-classificaiton.</a:t>
+              <a:t>Points mis-classification.</a:t>
             </a:r>
             <a:endParaRPr b="0" lang="en-US" sz="1300" spc="-1" strike="noStrike">
               <a:latin typeface="Arial"/>
@@ -10725,14 +11076,14 @@
       </p:sp>
       <p:sp>
         <p:nvSpPr>
-          <p:cNvPr id="120" name="標題 6"/>
+          <p:cNvPr id="120" name="標題 15"/>
           <p:cNvSpPr/>
           <p:nvPr/>
         </p:nvSpPr>
         <p:spPr>
           <a:xfrm>
             <a:off x="2880" y="759600"/>
-            <a:ext cx="9137520" cy="337320"/>
+            <a:ext cx="9137160" cy="336960"/>
           </a:xfrm>
           <a:prstGeom prst="rect">
             <a:avLst/>
@@ -10798,7 +11149,7 @@
         <p:spPr>
           <a:xfrm>
             <a:off x="6553080" y="6356520"/>
-            <a:ext cx="2111040" cy="342360"/>
+            <a:ext cx="2110680" cy="342000"/>
           </a:xfrm>
           <a:prstGeom prst="rect">
             <a:avLst/>
@@ -10834,7 +11185,7 @@
               </a:lnSpc>
               <a:buNone/>
             </a:pPr>
-            <a:fld id="{D6F2A42F-83E2-492E-82D7-F8C943749853}" type="slidenum">
+            <a:fld id="{5CD0302C-2237-442F-9DFC-D108DDCF5E3F}" type="slidenum">
               <a:rPr b="0" lang="en-US" sz="1200" spc="-1" strike="noStrike">
                 <a:solidFill>
                   <a:srgbClr val="8b8b8b"/>
@@ -10862,8 +11213,8 @@
         </p:blipFill>
         <p:spPr>
           <a:xfrm>
-            <a:off x="1295640" y="2057400"/>
-            <a:ext cx="6932880" cy="4570560"/>
+            <a:off x="914400" y="2679480"/>
+            <a:ext cx="6096600" cy="3728880"/>
           </a:xfrm>
           <a:prstGeom prst="rect">
             <a:avLst/>
@@ -10877,6 +11228,34 @@
       </p:pic>
       <p:sp>
         <p:nvSpPr>
+          <p:cNvPr id="123" name=""/>
+          <p:cNvSpPr/>
+          <p:nvPr/>
+        </p:nvSpPr>
+        <p:spPr>
+          <a:xfrm>
+            <a:off x="2514600" y="1828800"/>
+            <a:ext cx="1600200" cy="1600200"/>
+          </a:xfrm>
+          <a:prstGeom prst="line">
+            <a:avLst/>
+          </a:prstGeom>
+          <a:ln w="0">
+            <a:solidFill>
+              <a:srgbClr val="3465a4"/>
+            </a:solidFill>
+            <a:tailEnd len="med" type="triangle" w="med"/>
+          </a:ln>
+        </p:spPr>
+        <p:style>
+          <a:lnRef idx="0"/>
+          <a:fillRef idx="0"/>
+          <a:effectRef idx="0"/>
+          <a:fontRef idx="minor"/>
+        </p:style>
+      </p:sp>
+      <p:sp>
+        <p:nvSpPr>
           <p:cNvPr id="5" name="PlaceHolder 4"/>
           <p:cNvSpPr>
             <a:spLocks noGrp="1"/>
@@ -10889,9 +11268,9 @@
         <p:txBody>
           <a:bodyPr/>
           <a:p>
-            <a:fld id="{F98B4EAE-C68E-439F-AB1C-AD54EBF46C12}" type="datetime1">
+            <a:fld id="{E673E70E-59C9-4A87-A885-548C4DF9CF7C}" type="datetime1">
               <a:rPr lang="en-US"/>
-              <a:t>11/26/2023</a:t>
+              <a:t>01/25/2024</a:t>
             </a:fld>
           </a:p>
         </p:txBody>
@@ -10928,7 +11307,7 @@
       </p:grpSpPr>
       <p:sp>
         <p:nvSpPr>
-          <p:cNvPr id="123" name="PlaceHolder 1"/>
+          <p:cNvPr id="124" name="PlaceHolder 1"/>
           <p:cNvSpPr>
             <a:spLocks noGrp="1"/>
           </p:cNvSpPr>
@@ -10939,7 +11318,7 @@
         <p:spPr>
           <a:xfrm>
             <a:off x="0" y="0"/>
-            <a:ext cx="9140400" cy="741960"/>
+            <a:ext cx="9140040" cy="741600"/>
           </a:xfrm>
           <a:prstGeom prst="rect">
             <a:avLst/>
@@ -10988,7 +11367,7 @@
       </p:sp>
       <p:sp>
         <p:nvSpPr>
-          <p:cNvPr id="124" name="PlaceHolder 2"/>
+          <p:cNvPr id="125" name="PlaceHolder 2"/>
           <p:cNvSpPr>
             <a:spLocks noGrp="1"/>
           </p:cNvSpPr>
@@ -10999,7 +11378,7 @@
         <p:spPr>
           <a:xfrm>
             <a:off x="232200" y="1302120"/>
-            <a:ext cx="8682120" cy="525600"/>
+            <a:ext cx="8453160" cy="525240"/>
           </a:xfrm>
           <a:prstGeom prst="rect">
             <a:avLst/>
@@ -11037,7 +11416,7 @@
                 <a:latin typeface="Calibri"/>
                 <a:ea typeface="DejaVu Sans"/>
               </a:rPr>
-              <a:t>DL: Neuron (5:20-7:00/16:48)</a:t>
+              <a:t>DL: Neuron (4:10-4:30/16:48)</a:t>
             </a:r>
             <a:endParaRPr b="0" lang="en-US" sz="1300" spc="-1" strike="noStrike">
               <a:latin typeface="Arial"/>
@@ -11065,7 +11444,7 @@
                 <a:latin typeface="Calibri"/>
                 <a:ea typeface="DejaVu Sans"/>
               </a:rPr>
-              <a:t>Why do we use Euler function?</a:t>
+              <a:t>This line is much better for mis-classificaiton.</a:t>
             </a:r>
             <a:endParaRPr b="0" lang="en-US" sz="1300" spc="-1" strike="noStrike">
               <a:latin typeface="Arial"/>
@@ -11075,14 +11454,14 @@
       </p:sp>
       <p:sp>
         <p:nvSpPr>
-          <p:cNvPr id="125" name="標題 7"/>
+          <p:cNvPr id="126" name="標題 6"/>
           <p:cNvSpPr/>
           <p:nvPr/>
         </p:nvSpPr>
         <p:spPr>
           <a:xfrm>
             <a:off x="2880" y="759600"/>
-            <a:ext cx="9137520" cy="337320"/>
+            <a:ext cx="9137160" cy="336960"/>
           </a:xfrm>
           <a:prstGeom prst="rect">
             <a:avLst/>
@@ -11137,7 +11516,7 @@
       </p:sp>
       <p:sp>
         <p:nvSpPr>
-          <p:cNvPr id="126" name="PlaceHolder 3"/>
+          <p:cNvPr id="127" name="PlaceHolder 3"/>
           <p:cNvSpPr>
             <a:spLocks noGrp="1"/>
           </p:cNvSpPr>
@@ -11148,7 +11527,7 @@
         <p:spPr>
           <a:xfrm>
             <a:off x="6553080" y="6356520"/>
-            <a:ext cx="2111040" cy="342360"/>
+            <a:ext cx="2110680" cy="342000"/>
           </a:xfrm>
           <a:prstGeom prst="rect">
             <a:avLst/>
@@ -11184,7 +11563,7 @@
               </a:lnSpc>
               <a:buNone/>
             </a:pPr>
-            <a:fld id="{20DDAB62-AEBA-4A39-9D3C-96CCE3872156}" type="slidenum">
+            <a:fld id="{10074056-4241-4FDD-8F66-5588393BEC1E}" type="slidenum">
               <a:rPr b="0" lang="en-US" sz="1200" spc="-1" strike="noStrike">
                 <a:solidFill>
                   <a:srgbClr val="8b8b8b"/>
@@ -11202,7 +11581,7 @@
       </p:sp>
       <p:pic>
         <p:nvPicPr>
-          <p:cNvPr id="127" name="" descr=""/>
+          <p:cNvPr id="128" name="" descr=""/>
           <p:cNvPicPr/>
           <p:nvPr/>
         </p:nvPicPr>
@@ -11212,8 +11591,8 @@
         </p:blipFill>
         <p:spPr>
           <a:xfrm>
-            <a:off x="1038600" y="5486400"/>
-            <a:ext cx="6504120" cy="789120"/>
+            <a:off x="1295640" y="2057400"/>
+            <a:ext cx="6932520" cy="4570200"/>
           </a:xfrm>
           <a:prstGeom prst="rect">
             <a:avLst/>
@@ -11225,31 +11604,6 @@
           </a:ln>
         </p:spPr>
       </p:pic>
-      <p:pic>
-        <p:nvPicPr>
-          <p:cNvPr id="128" name="" descr=""/>
-          <p:cNvPicPr/>
-          <p:nvPr/>
-        </p:nvPicPr>
-        <p:blipFill>
-          <a:blip r:embed="rId2"/>
-          <a:stretch/>
-        </p:blipFill>
-        <p:spPr>
-          <a:xfrm>
-            <a:off x="286200" y="2057400"/>
-            <a:ext cx="8399520" cy="3332160"/>
-          </a:xfrm>
-          <a:prstGeom prst="rect">
-            <a:avLst/>
-          </a:prstGeom>
-          <a:ln w="0">
-            <a:solidFill>
-              <a:srgbClr val="bf0041"/>
-            </a:solidFill>
-          </a:ln>
-        </p:spPr>
-      </p:pic>
       <p:sp>
         <p:nvSpPr>
           <p:cNvPr id="5" name="PlaceHolder 4"/>
@@ -11264,9 +11618,9 @@
         <p:txBody>
           <a:bodyPr/>
           <a:p>
-            <a:fld id="{26B00AEF-B196-4581-9F5F-69A25E39547B}" type="datetime1">
+            <a:fld id="{F1641044-6843-4672-B0C9-994EA9FDD688}" type="datetime1">
               <a:rPr lang="en-US"/>
-              <a:t>11/26/2023</a:t>
+              <a:t>01/25/2024</a:t>
             </a:fld>
           </a:p>
         </p:txBody>
@@ -11314,7 +11668,7 @@
         <p:spPr>
           <a:xfrm>
             <a:off x="0" y="0"/>
-            <a:ext cx="9140400" cy="741960"/>
+            <a:ext cx="9140040" cy="741600"/>
           </a:xfrm>
           <a:prstGeom prst="rect">
             <a:avLst/>
@@ -11374,7 +11728,7 @@
         <p:spPr>
           <a:xfrm>
             <a:off x="232200" y="1302120"/>
-            <a:ext cx="8682120" cy="525600"/>
+            <a:ext cx="8681760" cy="525240"/>
           </a:xfrm>
           <a:prstGeom prst="rect">
             <a:avLst/>
@@ -11412,7 +11766,7 @@
                 <a:latin typeface="Calibri"/>
                 <a:ea typeface="DejaVu Sans"/>
               </a:rPr>
-              <a:t>DL: Neuron (7:20-8:30/16:48)</a:t>
+              <a:t>DL: Neuron (5:20-7:00/16:48)</a:t>
             </a:r>
             <a:endParaRPr b="0" lang="en-US" sz="1300" spc="-1" strike="noStrike">
               <a:latin typeface="Arial"/>
@@ -11440,7 +11794,7 @@
                 <a:latin typeface="Calibri"/>
                 <a:ea typeface="DejaVu Sans"/>
               </a:rPr>
-              <a:t>Euler is better fit for this problem.</a:t>
+              <a:t>Why do we use Euler function?</a:t>
             </a:r>
             <a:endParaRPr b="0" lang="en-US" sz="1300" spc="-1" strike="noStrike">
               <a:latin typeface="Arial"/>
@@ -11450,14 +11804,14 @@
       </p:sp>
       <p:sp>
         <p:nvSpPr>
-          <p:cNvPr id="131" name="標題 8"/>
+          <p:cNvPr id="131" name="標題 7"/>
           <p:cNvSpPr/>
           <p:nvPr/>
         </p:nvSpPr>
         <p:spPr>
           <a:xfrm>
             <a:off x="2880" y="759600"/>
-            <a:ext cx="9137520" cy="337320"/>
+            <a:ext cx="9137160" cy="336960"/>
           </a:xfrm>
           <a:prstGeom prst="rect">
             <a:avLst/>
@@ -11523,7 +11877,7 @@
         <p:spPr>
           <a:xfrm>
             <a:off x="6553080" y="6356520"/>
-            <a:ext cx="2111040" cy="342360"/>
+            <a:ext cx="2110680" cy="342000"/>
           </a:xfrm>
           <a:prstGeom prst="rect">
             <a:avLst/>
@@ -11559,7 +11913,7 @@
               </a:lnSpc>
               <a:buNone/>
             </a:pPr>
-            <a:fld id="{7218912E-CE86-446C-A3FF-099DDB5C4E0F}" type="slidenum">
+            <a:fld id="{4E36B852-F977-4691-8AE8-FF4A950407AD}" type="slidenum">
               <a:rPr b="0" lang="en-US" sz="1200" spc="-1" strike="noStrike">
                 <a:solidFill>
                   <a:srgbClr val="8b8b8b"/>
@@ -11587,8 +11941,8 @@
         </p:blipFill>
         <p:spPr>
           <a:xfrm>
-            <a:off x="429120" y="2171880"/>
-            <a:ext cx="8028000" cy="3999240"/>
+            <a:off x="1038600" y="5486400"/>
+            <a:ext cx="6503760" cy="788760"/>
           </a:xfrm>
           <a:prstGeom prst="rect">
             <a:avLst/>
@@ -11600,6 +11954,31 @@
           </a:ln>
         </p:spPr>
       </p:pic>
+      <p:pic>
+        <p:nvPicPr>
+          <p:cNvPr id="134" name="" descr=""/>
+          <p:cNvPicPr/>
+          <p:nvPr/>
+        </p:nvPicPr>
+        <p:blipFill>
+          <a:blip r:embed="rId2"/>
+          <a:stretch/>
+        </p:blipFill>
+        <p:spPr>
+          <a:xfrm>
+            <a:off x="286200" y="2057400"/>
+            <a:ext cx="8399160" cy="3331800"/>
+          </a:xfrm>
+          <a:prstGeom prst="rect">
+            <a:avLst/>
+          </a:prstGeom>
+          <a:ln w="0">
+            <a:solidFill>
+              <a:srgbClr val="bf0041"/>
+            </a:solidFill>
+          </a:ln>
+        </p:spPr>
+      </p:pic>
       <p:sp>
         <p:nvSpPr>
           <p:cNvPr id="5" name="PlaceHolder 4"/>
@@ -11614,9 +11993,9 @@
         <p:txBody>
           <a:bodyPr/>
           <a:p>
-            <a:fld id="{0812F023-D719-4AC0-8E33-3E7D6B263FD5}" type="datetime1">
+            <a:fld id="{687B46BB-29DF-4B5F-9382-5BA521CCB1C8}" type="datetime1">
               <a:rPr lang="en-US"/>
-              <a:t>11/26/2023</a:t>
+              <a:t>01/25/2024</a:t>
             </a:fld>
           </a:p>
         </p:txBody>
